--- a/Praktikum_KonLe_Doku.pptx
+++ b/Praktikum_KonLe_Doku.pptx
@@ -5,7 +5,7 @@
     <p:sldMasterId id="2147483648" r:id="rId1"/>
   </p:sldMasterIdLst>
   <p:notesMasterIdLst>
-    <p:notesMasterId r:id="rId38"/>
+    <p:notesMasterId r:id="rId37"/>
   </p:notesMasterIdLst>
   <p:sldIdLst>
     <p:sldId id="264" r:id="rId2"/>
@@ -23,27 +23,26 @@
     <p:sldId id="265" r:id="rId14"/>
     <p:sldId id="260" r:id="rId15"/>
     <p:sldId id="292" r:id="rId16"/>
-    <p:sldId id="271" r:id="rId17"/>
-    <p:sldId id="272" r:id="rId18"/>
-    <p:sldId id="287" r:id="rId19"/>
-    <p:sldId id="273" r:id="rId20"/>
-    <p:sldId id="274" r:id="rId21"/>
-    <p:sldId id="256" r:id="rId22"/>
-    <p:sldId id="257" r:id="rId23"/>
-    <p:sldId id="275" r:id="rId24"/>
-    <p:sldId id="276" r:id="rId25"/>
-    <p:sldId id="277" r:id="rId26"/>
-    <p:sldId id="297" r:id="rId27"/>
-    <p:sldId id="298" r:id="rId28"/>
-    <p:sldId id="299" r:id="rId29"/>
-    <p:sldId id="300" r:id="rId30"/>
-    <p:sldId id="279" r:id="rId31"/>
-    <p:sldId id="280" r:id="rId32"/>
-    <p:sldId id="281" r:id="rId33"/>
-    <p:sldId id="282" r:id="rId34"/>
-    <p:sldId id="294" r:id="rId35"/>
-    <p:sldId id="295" r:id="rId36"/>
-    <p:sldId id="296" r:id="rId37"/>
+    <p:sldId id="272" r:id="rId17"/>
+    <p:sldId id="287" r:id="rId18"/>
+    <p:sldId id="273" r:id="rId19"/>
+    <p:sldId id="274" r:id="rId20"/>
+    <p:sldId id="256" r:id="rId21"/>
+    <p:sldId id="257" r:id="rId22"/>
+    <p:sldId id="275" r:id="rId23"/>
+    <p:sldId id="276" r:id="rId24"/>
+    <p:sldId id="277" r:id="rId25"/>
+    <p:sldId id="297" r:id="rId26"/>
+    <p:sldId id="298" r:id="rId27"/>
+    <p:sldId id="299" r:id="rId28"/>
+    <p:sldId id="300" r:id="rId29"/>
+    <p:sldId id="279" r:id="rId30"/>
+    <p:sldId id="280" r:id="rId31"/>
+    <p:sldId id="281" r:id="rId32"/>
+    <p:sldId id="282" r:id="rId33"/>
+    <p:sldId id="294" r:id="rId34"/>
+    <p:sldId id="295" r:id="rId35"/>
+    <p:sldId id="296" r:id="rId36"/>
   </p:sldIdLst>
   <p:sldSz cx="12192000" cy="6858000"/>
   <p:notesSz cx="6858000" cy="9144000"/>
@@ -232,7 +231,7 @@
           <a:p>
             <a:fld id="{5EDE69DE-CA81-4DD1-82AC-43DDD4D19367}" type="datetimeFigureOut">
               <a:rPr lang="de-DE" smtClean="0"/>
-              <a:t>10.01.2019</a:t>
+              <a:t>24.02.2019</a:t>
             </a:fld>
             <a:endParaRPr lang="de-DE"/>
           </a:p>
@@ -730,7 +729,7 @@
           <a:p>
             <a:fld id="{ABB89C0B-1ABD-444B-925C-4E47B2F277F6}" type="datetimeFigureOut">
               <a:rPr lang="de-DE" smtClean="0"/>
-              <a:t>10.01.2019</a:t>
+              <a:t>24.02.2019</a:t>
             </a:fld>
             <a:endParaRPr lang="de-DE"/>
           </a:p>
@@ -928,7 +927,7 @@
           <a:p>
             <a:fld id="{ABB89C0B-1ABD-444B-925C-4E47B2F277F6}" type="datetimeFigureOut">
               <a:rPr lang="de-DE" smtClean="0"/>
-              <a:t>10.01.2019</a:t>
+              <a:t>24.02.2019</a:t>
             </a:fld>
             <a:endParaRPr lang="de-DE"/>
           </a:p>
@@ -1136,7 +1135,7 @@
           <a:p>
             <a:fld id="{ABB89C0B-1ABD-444B-925C-4E47B2F277F6}" type="datetimeFigureOut">
               <a:rPr lang="de-DE" smtClean="0"/>
-              <a:t>10.01.2019</a:t>
+              <a:t>24.02.2019</a:t>
             </a:fld>
             <a:endParaRPr lang="de-DE"/>
           </a:p>
@@ -1334,7 +1333,7 @@
           <a:p>
             <a:fld id="{ABB89C0B-1ABD-444B-925C-4E47B2F277F6}" type="datetimeFigureOut">
               <a:rPr lang="de-DE" smtClean="0"/>
-              <a:t>10.01.2019</a:t>
+              <a:t>24.02.2019</a:t>
             </a:fld>
             <a:endParaRPr lang="de-DE"/>
           </a:p>
@@ -1609,7 +1608,7 @@
           <a:p>
             <a:fld id="{ABB89C0B-1ABD-444B-925C-4E47B2F277F6}" type="datetimeFigureOut">
               <a:rPr lang="de-DE" smtClean="0"/>
-              <a:t>10.01.2019</a:t>
+              <a:t>24.02.2019</a:t>
             </a:fld>
             <a:endParaRPr lang="de-DE"/>
           </a:p>
@@ -1874,7 +1873,7 @@
           <a:p>
             <a:fld id="{ABB89C0B-1ABD-444B-925C-4E47B2F277F6}" type="datetimeFigureOut">
               <a:rPr lang="de-DE" smtClean="0"/>
-              <a:t>10.01.2019</a:t>
+              <a:t>24.02.2019</a:t>
             </a:fld>
             <a:endParaRPr lang="de-DE"/>
           </a:p>
@@ -2286,7 +2285,7 @@
           <a:p>
             <a:fld id="{ABB89C0B-1ABD-444B-925C-4E47B2F277F6}" type="datetimeFigureOut">
               <a:rPr lang="de-DE" smtClean="0"/>
-              <a:t>10.01.2019</a:t>
+              <a:t>24.02.2019</a:t>
             </a:fld>
             <a:endParaRPr lang="de-DE"/>
           </a:p>
@@ -2427,7 +2426,7 @@
           <a:p>
             <a:fld id="{ABB89C0B-1ABD-444B-925C-4E47B2F277F6}" type="datetimeFigureOut">
               <a:rPr lang="de-DE" smtClean="0"/>
-              <a:t>10.01.2019</a:t>
+              <a:t>24.02.2019</a:t>
             </a:fld>
             <a:endParaRPr lang="de-DE"/>
           </a:p>
@@ -2540,7 +2539,7 @@
           <a:p>
             <a:fld id="{ABB89C0B-1ABD-444B-925C-4E47B2F277F6}" type="datetimeFigureOut">
               <a:rPr lang="de-DE" smtClean="0"/>
-              <a:t>10.01.2019</a:t>
+              <a:t>24.02.2019</a:t>
             </a:fld>
             <a:endParaRPr lang="de-DE"/>
           </a:p>
@@ -2851,7 +2850,7 @@
           <a:p>
             <a:fld id="{ABB89C0B-1ABD-444B-925C-4E47B2F277F6}" type="datetimeFigureOut">
               <a:rPr lang="de-DE" smtClean="0"/>
-              <a:t>10.01.2019</a:t>
+              <a:t>24.02.2019</a:t>
             </a:fld>
             <a:endParaRPr lang="de-DE"/>
           </a:p>
@@ -3139,7 +3138,7 @@
           <a:p>
             <a:fld id="{ABB89C0B-1ABD-444B-925C-4E47B2F277F6}" type="datetimeFigureOut">
               <a:rPr lang="de-DE" smtClean="0"/>
-              <a:t>10.01.2019</a:t>
+              <a:t>24.02.2019</a:t>
             </a:fld>
             <a:endParaRPr lang="de-DE"/>
           </a:p>
@@ -3380,7 +3379,7 @@
           <a:p>
             <a:fld id="{ABB89C0B-1ABD-444B-925C-4E47B2F277F6}" type="datetimeFigureOut">
               <a:rPr lang="de-DE" smtClean="0"/>
-              <a:t>10.01.2019</a:t>
+              <a:t>24.02.2019</a:t>
             </a:fld>
             <a:endParaRPr lang="de-DE"/>
           </a:p>
@@ -4136,6 +4135,17 @@
           <a:p>
             <a:pPr algn="l"/>
             <a:r>
+              <a:rPr lang="en-US" sz="4400" kern="1200" dirty="0" err="1">
+                <a:solidFill>
+                  <a:schemeClr val="tx1"/>
+                </a:solidFill>
+                <a:latin typeface="+mj-lt"/>
+                <a:ea typeface="+mj-ea"/>
+                <a:cs typeface="+mj-cs"/>
+              </a:rPr>
+              <a:t>SmartBin</a:t>
+            </a:r>
+            <a:br>
               <a:rPr lang="en-US" sz="3700" kern="1200" dirty="0">
                 <a:solidFill>
                   <a:schemeClr val="tx1"/>
@@ -4144,10 +4154,9 @@
                 <a:ea typeface="+mj-ea"/>
                 <a:cs typeface="+mj-cs"/>
               </a:rPr>
-              <a:t>Der </a:t>
-            </a:r>
+            </a:br>
             <a:r>
-              <a:rPr lang="en-US" sz="3700" kern="1200" dirty="0" err="1">
+              <a:rPr lang="en-US" sz="2400" kern="1200" dirty="0" err="1">
                 <a:solidFill>
                   <a:schemeClr val="tx1"/>
                 </a:solidFill>
@@ -4155,10 +4164,10 @@
                 <a:ea typeface="+mj-ea"/>
                 <a:cs typeface="+mj-cs"/>
               </a:rPr>
-              <a:t>Mülleimer</a:t>
+              <a:t>Public.Efficient.Easy</a:t>
             </a:r>
             <a:r>
-              <a:rPr lang="en-US" sz="3700" kern="1200" dirty="0">
+              <a:rPr lang="en-US" sz="2400" kern="1200" dirty="0">
                 <a:solidFill>
                   <a:schemeClr val="tx1"/>
                 </a:solidFill>
@@ -4166,18 +4175,7 @@
                 <a:ea typeface="+mj-ea"/>
                 <a:cs typeface="+mj-cs"/>
               </a:rPr>
-              <a:t> der </a:t>
-            </a:r>
-            <a:r>
-              <a:rPr lang="en-US" sz="3700" kern="1200" dirty="0" err="1">
-                <a:solidFill>
-                  <a:schemeClr val="tx1"/>
-                </a:solidFill>
-                <a:latin typeface="+mj-lt"/>
-                <a:ea typeface="+mj-ea"/>
-                <a:cs typeface="+mj-cs"/>
-              </a:rPr>
-              <a:t>Zukunft</a:t>
+              <a:t>.</a:t>
             </a:r>
             <a:endParaRPr lang="en-US" sz="3700" kern="1200" dirty="0">
               <a:solidFill>
@@ -4700,7 +4698,7 @@
               <a:fld id="{ABB89C0B-1ABD-444B-925C-4E47B2F277F6}" type="datetimeFigureOut">
                 <a:rPr lang="de-DE" smtClean="0"/>
                 <a:pPr/>
-                <a:t>10.01.2019</a:t>
+                <a:t>24.02.2019</a:t>
               </a:fld>
               <a:endParaRPr lang="de-DE" dirty="0"/>
             </a:p>
@@ -4983,7 +4981,7 @@
         </p:nvSpPr>
         <p:spPr>
           <a:xfrm>
-            <a:off x="304800" y="1924050"/>
+            <a:off x="304800" y="1851026"/>
             <a:ext cx="1809750" cy="447675"/>
           </a:xfrm>
           <a:prstGeom prst="rect">
@@ -5032,7 +5030,7 @@
         </p:nvSpPr>
         <p:spPr>
           <a:xfrm>
-            <a:off x="304800" y="5086350"/>
+            <a:off x="304800" y="4280689"/>
             <a:ext cx="1809750" cy="447675"/>
           </a:xfrm>
           <a:prstGeom prst="rect">
@@ -11006,7 +11004,7 @@
               <a:fld id="{ABB89C0B-1ABD-444B-925C-4E47B2F277F6}" type="datetimeFigureOut">
                 <a:rPr lang="de-DE" smtClean="0"/>
                 <a:pPr/>
-                <a:t>10.01.2019</a:t>
+                <a:t>24.02.2019</a:t>
               </a:fld>
               <a:endParaRPr lang="de-DE" dirty="0"/>
             </a:p>
@@ -11654,7 +11652,7 @@
               <a:fld id="{ABB89C0B-1ABD-444B-925C-4E47B2F277F6}" type="datetimeFigureOut">
                 <a:rPr lang="de-DE" smtClean="0"/>
                 <a:pPr/>
-                <a:t>10.01.2019</a:t>
+                <a:t>24.02.2019</a:t>
               </a:fld>
               <a:endParaRPr lang="de-DE" dirty="0"/>
             </a:p>
@@ -17681,7 +17679,7 @@
               <a:fld id="{ABB89C0B-1ABD-444B-925C-4E47B2F277F6}" type="datetimeFigureOut">
                 <a:rPr lang="de-DE" smtClean="0"/>
                 <a:pPr/>
-                <a:t>10.01.2019</a:t>
+                <a:t>24.02.2019</a:t>
               </a:fld>
               <a:endParaRPr lang="de-DE" dirty="0"/>
             </a:p>
@@ -19658,7 +19656,7 @@
               <a:fld id="{ABB89C0B-1ABD-444B-925C-4E47B2F277F6}" type="datetimeFigureOut">
                 <a:rPr lang="de-DE" smtClean="0"/>
                 <a:pPr/>
-                <a:t>10.01.2019</a:t>
+                <a:t>24.02.2019</a:t>
               </a:fld>
               <a:endParaRPr lang="de-DE" dirty="0"/>
             </a:p>
@@ -19941,606 +19939,6 @@
 </file>
 
 <file path=ppt/slides/slide16.xml><?xml version="1.0" encoding="utf-8"?>
-<p:sld xmlns:a="http://schemas.openxmlformats.org/drawingml/2006/main" xmlns:r="http://schemas.openxmlformats.org/officeDocument/2006/relationships" xmlns:p="http://schemas.openxmlformats.org/presentationml/2006/main">
-  <p:cSld>
-    <p:spTree>
-      <p:nvGrpSpPr>
-        <p:cNvPr id="1" name=""/>
-        <p:cNvGrpSpPr/>
-        <p:nvPr/>
-      </p:nvGrpSpPr>
-      <p:grpSpPr>
-        <a:xfrm>
-          <a:off x="0" y="0"/>
-          <a:ext cx="0" cy="0"/>
-          <a:chOff x="0" y="0"/>
-          <a:chExt cx="0" cy="0"/>
-        </a:xfrm>
-      </p:grpSpPr>
-      <p:sp>
-        <p:nvSpPr>
-          <p:cNvPr id="2" name="Titel 1">
-            <a:extLst>
-              <a:ext uri="{FF2B5EF4-FFF2-40B4-BE49-F238E27FC236}">
-                <a16:creationId xmlns:a16="http://schemas.microsoft.com/office/drawing/2014/main" id="{EC63DAAA-6A35-49DB-982E-4E3BCE7698C9}"/>
-              </a:ext>
-            </a:extLst>
-          </p:cNvPr>
-          <p:cNvSpPr txBox="1">
-            <a:spLocks noGrp="1"/>
-          </p:cNvSpPr>
-          <p:nvPr>
-            <p:ph type="title"/>
-          </p:nvPr>
-        </p:nvSpPr>
-        <p:spPr/>
-        <p:txBody>
-          <a:bodyPr/>
-          <a:lstStyle/>
-          <a:p>
-            <a:pPr lvl="0"/>
-            <a:r>
-              <a:rPr lang="de-DE" b="1" dirty="0"/>
-              <a:t>Systementwurf und -architektur</a:t>
-            </a:r>
-          </a:p>
-        </p:txBody>
-      </p:sp>
-      <p:sp>
-        <p:nvSpPr>
-          <p:cNvPr id="3" name="Inhaltsplatzhalter 2">
-            <a:extLst>
-              <a:ext uri="{FF2B5EF4-FFF2-40B4-BE49-F238E27FC236}">
-                <a16:creationId xmlns:a16="http://schemas.microsoft.com/office/drawing/2014/main" id="{9863A7AC-B7A3-47F0-B2A1-EA990A26F919}"/>
-              </a:ext>
-            </a:extLst>
-          </p:cNvPr>
-          <p:cNvSpPr txBox="1">
-            <a:spLocks noGrp="1"/>
-          </p:cNvSpPr>
-          <p:nvPr>
-            <p:ph idx="1"/>
-          </p:nvPr>
-        </p:nvSpPr>
-        <p:spPr>
-          <a:xfrm>
-            <a:off x="838200" y="1690688"/>
-            <a:ext cx="10515600" cy="4351338"/>
-          </a:xfrm>
-        </p:spPr>
-        <p:txBody>
-          <a:bodyPr>
-            <a:normAutofit lnSpcReduction="10000"/>
-          </a:bodyPr>
-          <a:lstStyle/>
-          <a:p>
-            <a:pPr lvl="0"/>
-            <a:r>
-              <a:rPr lang="de-DE" dirty="0"/>
-              <a:t>Systemelemente (und deren Aufgabe):</a:t>
-            </a:r>
-          </a:p>
-          <a:p>
-            <a:pPr lvl="1"/>
-            <a:r>
-              <a:rPr lang="de-DE" dirty="0"/>
-              <a:t>LEDs (Anzeigen der richtigen Tonne)</a:t>
-            </a:r>
-          </a:p>
-          <a:p>
-            <a:pPr lvl="1"/>
-            <a:r>
-              <a:rPr lang="de-DE" dirty="0"/>
-              <a:t>ActivityBoard(Kontrolle des </a:t>
-            </a:r>
-            <a:r>
-              <a:rPr lang="de-DE" dirty="0" err="1"/>
-              <a:t>Diplays</a:t>
-            </a:r>
-            <a:r>
-              <a:rPr lang="de-DE" dirty="0"/>
-              <a:t>)</a:t>
-            </a:r>
-          </a:p>
-          <a:p>
-            <a:pPr lvl="1"/>
-            <a:r>
-              <a:rPr lang="de-DE" dirty="0"/>
-              <a:t>Arduino (Steuerung von Sensoren und LEDs)</a:t>
-            </a:r>
-          </a:p>
-          <a:p>
-            <a:pPr lvl="1"/>
-            <a:r>
-              <a:rPr lang="de-DE" dirty="0"/>
-              <a:t>Sensoren (Erkennen einer vollen Mülltonne bzw. Erkennen eines Mülleinwurfs)</a:t>
-            </a:r>
-          </a:p>
-          <a:p>
-            <a:pPr lvl="1"/>
-            <a:r>
-              <a:rPr lang="de-DE" dirty="0"/>
-              <a:t>Barcodescanner (Aufnahme der Produktinformationen)</a:t>
-            </a:r>
-          </a:p>
-          <a:p>
-            <a:pPr lvl="1"/>
-            <a:r>
-              <a:rPr lang="de-DE" dirty="0"/>
-              <a:t>Raspberry-Pi (Datenbank, Code, Verknüpfung des </a:t>
-            </a:r>
-            <a:r>
-              <a:rPr lang="de-DE" dirty="0" err="1"/>
-              <a:t>Systems,Datenverarbeitung</a:t>
-            </a:r>
-            <a:r>
-              <a:rPr lang="de-DE" dirty="0"/>
-              <a:t> und Weiterleitung an äußere Systeme falls nötig)</a:t>
-            </a:r>
-          </a:p>
-          <a:p>
-            <a:pPr lvl="1"/>
-            <a:r>
-              <a:rPr lang="de-DE" i="1" dirty="0"/>
-              <a:t>[Erweiterbar] </a:t>
-            </a:r>
-            <a:r>
-              <a:rPr lang="de-DE" dirty="0"/>
-              <a:t>Batterien/Solarplatte (Versorgung mit Strom),</a:t>
-            </a:r>
-            <a:br>
-              <a:rPr lang="de-DE" dirty="0"/>
-            </a:br>
-            <a:r>
-              <a:rPr lang="de-DE" dirty="0"/>
-              <a:t>hier: Akku / Powerbank </a:t>
-            </a:r>
-          </a:p>
-          <a:p>
-            <a:pPr lvl="1"/>
-            <a:r>
-              <a:rPr lang="de-DE" i="1" dirty="0"/>
-              <a:t>[Erweiterbar] </a:t>
-            </a:r>
-            <a:r>
-              <a:rPr lang="de-DE" dirty="0"/>
-              <a:t>Hülle aus Metall (Verstauen der Elektronik und Regenschutz)</a:t>
-            </a:r>
-          </a:p>
-          <a:p>
-            <a:pPr lvl="2"/>
-            <a:endParaRPr lang="de-DE" dirty="0"/>
-          </a:p>
-          <a:p>
-            <a:pPr lvl="0"/>
-            <a:endParaRPr lang="de-DE" dirty="0"/>
-          </a:p>
-        </p:txBody>
-      </p:sp>
-      <p:grpSp>
-        <p:nvGrpSpPr>
-          <p:cNvPr id="7" name="Gruppieren 6">
-            <a:extLst>
-              <a:ext uri="{FF2B5EF4-FFF2-40B4-BE49-F238E27FC236}">
-                <a16:creationId xmlns:a16="http://schemas.microsoft.com/office/drawing/2014/main" id="{E0631429-A129-41B1-BF83-0DF4A7D4F54B}"/>
-              </a:ext>
-            </a:extLst>
-          </p:cNvPr>
-          <p:cNvGrpSpPr/>
-          <p:nvPr/>
-        </p:nvGrpSpPr>
-        <p:grpSpPr>
-          <a:xfrm>
-            <a:off x="838200" y="6356350"/>
-            <a:ext cx="10515600" cy="365125"/>
-            <a:chOff x="838200" y="6356350"/>
-            <a:chExt cx="10515600" cy="365125"/>
-          </a:xfrm>
-        </p:grpSpPr>
-        <p:sp>
-          <p:nvSpPr>
-            <p:cNvPr id="8" name="Datumsplatzhalter 3">
-              <a:extLst>
-                <a:ext uri="{FF2B5EF4-FFF2-40B4-BE49-F238E27FC236}">
-                  <a16:creationId xmlns:a16="http://schemas.microsoft.com/office/drawing/2014/main" id="{A2BE91EC-EBD9-411E-A683-9B87F5B7E021}"/>
-                </a:ext>
-              </a:extLst>
-            </p:cNvPr>
-            <p:cNvSpPr txBox="1">
-              <a:spLocks/>
-            </p:cNvSpPr>
-            <p:nvPr/>
-          </p:nvSpPr>
-          <p:spPr>
-            <a:xfrm>
-              <a:off x="838200" y="6356350"/>
-              <a:ext cx="2743200" cy="365125"/>
-            </a:xfrm>
-            <a:prstGeom prst="rect">
-              <a:avLst/>
-            </a:prstGeom>
-          </p:spPr>
-          <p:txBody>
-            <a:bodyPr vert="horz" lIns="91440" tIns="45720" rIns="91440" bIns="45720" rtlCol="0" anchor="ctr"/>
-            <a:lstStyle>
-              <a:defPPr>
-                <a:defRPr lang="de-DE"/>
-              </a:defPPr>
-              <a:lvl1pPr marL="0" algn="l" defTabSz="914400" rtl="0" eaLnBrk="1" latinLnBrk="0" hangingPunct="1">
-                <a:defRPr sz="1200" kern="1200">
-                  <a:solidFill>
-                    <a:schemeClr val="tx1">
-                      <a:tint val="75000"/>
-                    </a:schemeClr>
-                  </a:solidFill>
-                  <a:latin typeface="+mn-lt"/>
-                  <a:ea typeface="+mn-ea"/>
-                  <a:cs typeface="+mn-cs"/>
-                </a:defRPr>
-              </a:lvl1pPr>
-              <a:lvl2pPr marL="457200" algn="l" defTabSz="914400" rtl="0" eaLnBrk="1" latinLnBrk="0" hangingPunct="1">
-                <a:defRPr sz="1800" kern="1200">
-                  <a:solidFill>
-                    <a:schemeClr val="tx1"/>
-                  </a:solidFill>
-                  <a:latin typeface="+mn-lt"/>
-                  <a:ea typeface="+mn-ea"/>
-                  <a:cs typeface="+mn-cs"/>
-                </a:defRPr>
-              </a:lvl2pPr>
-              <a:lvl3pPr marL="914400" algn="l" defTabSz="914400" rtl="0" eaLnBrk="1" latinLnBrk="0" hangingPunct="1">
-                <a:defRPr sz="1800" kern="1200">
-                  <a:solidFill>
-                    <a:schemeClr val="tx1"/>
-                  </a:solidFill>
-                  <a:latin typeface="+mn-lt"/>
-                  <a:ea typeface="+mn-ea"/>
-                  <a:cs typeface="+mn-cs"/>
-                </a:defRPr>
-              </a:lvl3pPr>
-              <a:lvl4pPr marL="1371600" algn="l" defTabSz="914400" rtl="0" eaLnBrk="1" latinLnBrk="0" hangingPunct="1">
-                <a:defRPr sz="1800" kern="1200">
-                  <a:solidFill>
-                    <a:schemeClr val="tx1"/>
-                  </a:solidFill>
-                  <a:latin typeface="+mn-lt"/>
-                  <a:ea typeface="+mn-ea"/>
-                  <a:cs typeface="+mn-cs"/>
-                </a:defRPr>
-              </a:lvl4pPr>
-              <a:lvl5pPr marL="1828800" algn="l" defTabSz="914400" rtl="0" eaLnBrk="1" latinLnBrk="0" hangingPunct="1">
-                <a:defRPr sz="1800" kern="1200">
-                  <a:solidFill>
-                    <a:schemeClr val="tx1"/>
-                  </a:solidFill>
-                  <a:latin typeface="+mn-lt"/>
-                  <a:ea typeface="+mn-ea"/>
-                  <a:cs typeface="+mn-cs"/>
-                </a:defRPr>
-              </a:lvl5pPr>
-              <a:lvl6pPr marL="2286000" algn="l" defTabSz="914400" rtl="0" eaLnBrk="1" latinLnBrk="0" hangingPunct="1">
-                <a:defRPr sz="1800" kern="1200">
-                  <a:solidFill>
-                    <a:schemeClr val="tx1"/>
-                  </a:solidFill>
-                  <a:latin typeface="+mn-lt"/>
-                  <a:ea typeface="+mn-ea"/>
-                  <a:cs typeface="+mn-cs"/>
-                </a:defRPr>
-              </a:lvl6pPr>
-              <a:lvl7pPr marL="2743200" algn="l" defTabSz="914400" rtl="0" eaLnBrk="1" latinLnBrk="0" hangingPunct="1">
-                <a:defRPr sz="1800" kern="1200">
-                  <a:solidFill>
-                    <a:schemeClr val="tx1"/>
-                  </a:solidFill>
-                  <a:latin typeface="+mn-lt"/>
-                  <a:ea typeface="+mn-ea"/>
-                  <a:cs typeface="+mn-cs"/>
-                </a:defRPr>
-              </a:lvl7pPr>
-              <a:lvl8pPr marL="3200400" algn="l" defTabSz="914400" rtl="0" eaLnBrk="1" latinLnBrk="0" hangingPunct="1">
-                <a:defRPr sz="1800" kern="1200">
-                  <a:solidFill>
-                    <a:schemeClr val="tx1"/>
-                  </a:solidFill>
-                  <a:latin typeface="+mn-lt"/>
-                  <a:ea typeface="+mn-ea"/>
-                  <a:cs typeface="+mn-cs"/>
-                </a:defRPr>
-              </a:lvl8pPr>
-              <a:lvl9pPr marL="3657600" algn="l" defTabSz="914400" rtl="0" eaLnBrk="1" latinLnBrk="0" hangingPunct="1">
-                <a:defRPr sz="1800" kern="1200">
-                  <a:solidFill>
-                    <a:schemeClr val="tx1"/>
-                  </a:solidFill>
-                  <a:latin typeface="+mn-lt"/>
-                  <a:ea typeface="+mn-ea"/>
-                  <a:cs typeface="+mn-cs"/>
-                </a:defRPr>
-              </a:lvl9pPr>
-            </a:lstStyle>
-            <a:p>
-              <a:fld id="{ABB89C0B-1ABD-444B-925C-4E47B2F277F6}" type="datetimeFigureOut">
-                <a:rPr lang="de-DE" smtClean="0"/>
-                <a:pPr/>
-                <a:t>10.01.2019</a:t>
-              </a:fld>
-              <a:endParaRPr lang="de-DE" dirty="0"/>
-            </a:p>
-          </p:txBody>
-        </p:sp>
-        <p:sp>
-          <p:nvSpPr>
-            <p:cNvPr id="9" name="Fußzeilenplatzhalter 4">
-              <a:extLst>
-                <a:ext uri="{FF2B5EF4-FFF2-40B4-BE49-F238E27FC236}">
-                  <a16:creationId xmlns:a16="http://schemas.microsoft.com/office/drawing/2014/main" id="{8173D1D7-1207-458E-8BFB-D82BAF925CA5}"/>
-                </a:ext>
-              </a:extLst>
-            </p:cNvPr>
-            <p:cNvSpPr txBox="1">
-              <a:spLocks/>
-            </p:cNvSpPr>
-            <p:nvPr/>
-          </p:nvSpPr>
-          <p:spPr>
-            <a:xfrm>
-              <a:off x="2460858" y="6356350"/>
-              <a:ext cx="6070134" cy="365125"/>
-            </a:xfrm>
-            <a:prstGeom prst="rect">
-              <a:avLst/>
-            </a:prstGeom>
-          </p:spPr>
-          <p:txBody>
-            <a:bodyPr vert="horz" lIns="91440" tIns="45720" rIns="91440" bIns="45720" rtlCol="0" anchor="ctr"/>
-            <a:lstStyle>
-              <a:defPPr>
-                <a:defRPr lang="de-DE"/>
-              </a:defPPr>
-              <a:lvl1pPr marL="0" algn="ctr" defTabSz="914400" rtl="0" eaLnBrk="1" latinLnBrk="0" hangingPunct="1">
-                <a:defRPr sz="1200" kern="1200">
-                  <a:solidFill>
-                    <a:schemeClr val="tx1">
-                      <a:tint val="75000"/>
-                    </a:schemeClr>
-                  </a:solidFill>
-                  <a:latin typeface="+mn-lt"/>
-                  <a:ea typeface="+mn-ea"/>
-                  <a:cs typeface="+mn-cs"/>
-                </a:defRPr>
-              </a:lvl1pPr>
-              <a:lvl2pPr marL="457200" algn="l" defTabSz="914400" rtl="0" eaLnBrk="1" latinLnBrk="0" hangingPunct="1">
-                <a:defRPr sz="1800" kern="1200">
-                  <a:solidFill>
-                    <a:schemeClr val="tx1"/>
-                  </a:solidFill>
-                  <a:latin typeface="+mn-lt"/>
-                  <a:ea typeface="+mn-ea"/>
-                  <a:cs typeface="+mn-cs"/>
-                </a:defRPr>
-              </a:lvl2pPr>
-              <a:lvl3pPr marL="914400" algn="l" defTabSz="914400" rtl="0" eaLnBrk="1" latinLnBrk="0" hangingPunct="1">
-                <a:defRPr sz="1800" kern="1200">
-                  <a:solidFill>
-                    <a:schemeClr val="tx1"/>
-                  </a:solidFill>
-                  <a:latin typeface="+mn-lt"/>
-                  <a:ea typeface="+mn-ea"/>
-                  <a:cs typeface="+mn-cs"/>
-                </a:defRPr>
-              </a:lvl3pPr>
-              <a:lvl4pPr marL="1371600" algn="l" defTabSz="914400" rtl="0" eaLnBrk="1" latinLnBrk="0" hangingPunct="1">
-                <a:defRPr sz="1800" kern="1200">
-                  <a:solidFill>
-                    <a:schemeClr val="tx1"/>
-                  </a:solidFill>
-                  <a:latin typeface="+mn-lt"/>
-                  <a:ea typeface="+mn-ea"/>
-                  <a:cs typeface="+mn-cs"/>
-                </a:defRPr>
-              </a:lvl4pPr>
-              <a:lvl5pPr marL="1828800" algn="l" defTabSz="914400" rtl="0" eaLnBrk="1" latinLnBrk="0" hangingPunct="1">
-                <a:defRPr sz="1800" kern="1200">
-                  <a:solidFill>
-                    <a:schemeClr val="tx1"/>
-                  </a:solidFill>
-                  <a:latin typeface="+mn-lt"/>
-                  <a:ea typeface="+mn-ea"/>
-                  <a:cs typeface="+mn-cs"/>
-                </a:defRPr>
-              </a:lvl5pPr>
-              <a:lvl6pPr marL="2286000" algn="l" defTabSz="914400" rtl="0" eaLnBrk="1" latinLnBrk="0" hangingPunct="1">
-                <a:defRPr sz="1800" kern="1200">
-                  <a:solidFill>
-                    <a:schemeClr val="tx1"/>
-                  </a:solidFill>
-                  <a:latin typeface="+mn-lt"/>
-                  <a:ea typeface="+mn-ea"/>
-                  <a:cs typeface="+mn-cs"/>
-                </a:defRPr>
-              </a:lvl6pPr>
-              <a:lvl7pPr marL="2743200" algn="l" defTabSz="914400" rtl="0" eaLnBrk="1" latinLnBrk="0" hangingPunct="1">
-                <a:defRPr sz="1800" kern="1200">
-                  <a:solidFill>
-                    <a:schemeClr val="tx1"/>
-                  </a:solidFill>
-                  <a:latin typeface="+mn-lt"/>
-                  <a:ea typeface="+mn-ea"/>
-                  <a:cs typeface="+mn-cs"/>
-                </a:defRPr>
-              </a:lvl7pPr>
-              <a:lvl8pPr marL="3200400" algn="l" defTabSz="914400" rtl="0" eaLnBrk="1" latinLnBrk="0" hangingPunct="1">
-                <a:defRPr sz="1800" kern="1200">
-                  <a:solidFill>
-                    <a:schemeClr val="tx1"/>
-                  </a:solidFill>
-                  <a:latin typeface="+mn-lt"/>
-                  <a:ea typeface="+mn-ea"/>
-                  <a:cs typeface="+mn-cs"/>
-                </a:defRPr>
-              </a:lvl8pPr>
-              <a:lvl9pPr marL="3657600" algn="l" defTabSz="914400" rtl="0" eaLnBrk="1" latinLnBrk="0" hangingPunct="1">
-                <a:defRPr sz="1800" kern="1200">
-                  <a:solidFill>
-                    <a:schemeClr val="tx1"/>
-                  </a:solidFill>
-                  <a:latin typeface="+mn-lt"/>
-                  <a:ea typeface="+mn-ea"/>
-                  <a:cs typeface="+mn-cs"/>
-                </a:defRPr>
-              </a:lvl9pPr>
-            </a:lstStyle>
-            <a:p>
-              <a:r>
-                <a:rPr lang="de-DE" dirty="0"/>
-                <a:t>Praktikum Konstruktionslehre WiSe 2018/19</a:t>
-              </a:r>
-            </a:p>
-          </p:txBody>
-        </p:sp>
-        <p:sp>
-          <p:nvSpPr>
-            <p:cNvPr id="10" name="Foliennummernplatzhalter 5">
-              <a:extLst>
-                <a:ext uri="{FF2B5EF4-FFF2-40B4-BE49-F238E27FC236}">
-                  <a16:creationId xmlns:a16="http://schemas.microsoft.com/office/drawing/2014/main" id="{BB36DE7B-0518-4EDA-BFE5-63D9E45E3FD3}"/>
-                </a:ext>
-              </a:extLst>
-            </p:cNvPr>
-            <p:cNvSpPr txBox="1">
-              <a:spLocks/>
-            </p:cNvSpPr>
-            <p:nvPr/>
-          </p:nvSpPr>
-          <p:spPr>
-            <a:xfrm>
-              <a:off x="8610600" y="6356350"/>
-              <a:ext cx="2743200" cy="365125"/>
-            </a:xfrm>
-            <a:prstGeom prst="rect">
-              <a:avLst/>
-            </a:prstGeom>
-          </p:spPr>
-          <p:txBody>
-            <a:bodyPr vert="horz" lIns="91440" tIns="45720" rIns="91440" bIns="45720" rtlCol="0" anchor="ctr"/>
-            <a:lstStyle>
-              <a:defPPr>
-                <a:defRPr lang="de-DE"/>
-              </a:defPPr>
-              <a:lvl1pPr marL="0" algn="r" defTabSz="914400" rtl="0" eaLnBrk="1" latinLnBrk="0" hangingPunct="1">
-                <a:defRPr sz="1200" kern="1200">
-                  <a:solidFill>
-                    <a:schemeClr val="tx1">
-                      <a:tint val="75000"/>
-                    </a:schemeClr>
-                  </a:solidFill>
-                  <a:latin typeface="+mn-lt"/>
-                  <a:ea typeface="+mn-ea"/>
-                  <a:cs typeface="+mn-cs"/>
-                </a:defRPr>
-              </a:lvl1pPr>
-              <a:lvl2pPr marL="457200" algn="l" defTabSz="914400" rtl="0" eaLnBrk="1" latinLnBrk="0" hangingPunct="1">
-                <a:defRPr sz="1800" kern="1200">
-                  <a:solidFill>
-                    <a:schemeClr val="tx1"/>
-                  </a:solidFill>
-                  <a:latin typeface="+mn-lt"/>
-                  <a:ea typeface="+mn-ea"/>
-                  <a:cs typeface="+mn-cs"/>
-                </a:defRPr>
-              </a:lvl2pPr>
-              <a:lvl3pPr marL="914400" algn="l" defTabSz="914400" rtl="0" eaLnBrk="1" latinLnBrk="0" hangingPunct="1">
-                <a:defRPr sz="1800" kern="1200">
-                  <a:solidFill>
-                    <a:schemeClr val="tx1"/>
-                  </a:solidFill>
-                  <a:latin typeface="+mn-lt"/>
-                  <a:ea typeface="+mn-ea"/>
-                  <a:cs typeface="+mn-cs"/>
-                </a:defRPr>
-              </a:lvl3pPr>
-              <a:lvl4pPr marL="1371600" algn="l" defTabSz="914400" rtl="0" eaLnBrk="1" latinLnBrk="0" hangingPunct="1">
-                <a:defRPr sz="1800" kern="1200">
-                  <a:solidFill>
-                    <a:schemeClr val="tx1"/>
-                  </a:solidFill>
-                  <a:latin typeface="+mn-lt"/>
-                  <a:ea typeface="+mn-ea"/>
-                  <a:cs typeface="+mn-cs"/>
-                </a:defRPr>
-              </a:lvl4pPr>
-              <a:lvl5pPr marL="1828800" algn="l" defTabSz="914400" rtl="0" eaLnBrk="1" latinLnBrk="0" hangingPunct="1">
-                <a:defRPr sz="1800" kern="1200">
-                  <a:solidFill>
-                    <a:schemeClr val="tx1"/>
-                  </a:solidFill>
-                  <a:latin typeface="+mn-lt"/>
-                  <a:ea typeface="+mn-ea"/>
-                  <a:cs typeface="+mn-cs"/>
-                </a:defRPr>
-              </a:lvl5pPr>
-              <a:lvl6pPr marL="2286000" algn="l" defTabSz="914400" rtl="0" eaLnBrk="1" latinLnBrk="0" hangingPunct="1">
-                <a:defRPr sz="1800" kern="1200">
-                  <a:solidFill>
-                    <a:schemeClr val="tx1"/>
-                  </a:solidFill>
-                  <a:latin typeface="+mn-lt"/>
-                  <a:ea typeface="+mn-ea"/>
-                  <a:cs typeface="+mn-cs"/>
-                </a:defRPr>
-              </a:lvl6pPr>
-              <a:lvl7pPr marL="2743200" algn="l" defTabSz="914400" rtl="0" eaLnBrk="1" latinLnBrk="0" hangingPunct="1">
-                <a:defRPr sz="1800" kern="1200">
-                  <a:solidFill>
-                    <a:schemeClr val="tx1"/>
-                  </a:solidFill>
-                  <a:latin typeface="+mn-lt"/>
-                  <a:ea typeface="+mn-ea"/>
-                  <a:cs typeface="+mn-cs"/>
-                </a:defRPr>
-              </a:lvl7pPr>
-              <a:lvl8pPr marL="3200400" algn="l" defTabSz="914400" rtl="0" eaLnBrk="1" latinLnBrk="0" hangingPunct="1">
-                <a:defRPr sz="1800" kern="1200">
-                  <a:solidFill>
-                    <a:schemeClr val="tx1"/>
-                  </a:solidFill>
-                  <a:latin typeface="+mn-lt"/>
-                  <a:ea typeface="+mn-ea"/>
-                  <a:cs typeface="+mn-cs"/>
-                </a:defRPr>
-              </a:lvl8pPr>
-              <a:lvl9pPr marL="3657600" algn="l" defTabSz="914400" rtl="0" eaLnBrk="1" latinLnBrk="0" hangingPunct="1">
-                <a:defRPr sz="1800" kern="1200">
-                  <a:solidFill>
-                    <a:schemeClr val="tx1"/>
-                  </a:solidFill>
-                  <a:latin typeface="+mn-lt"/>
-                  <a:ea typeface="+mn-ea"/>
-                  <a:cs typeface="+mn-cs"/>
-                </a:defRPr>
-              </a:lvl9pPr>
-            </a:lstStyle>
-            <a:p>
-              <a:fld id="{75CEC8DD-A46B-4CAA-B4E1-6A1B652C2BF4}" type="slidenum">
-                <a:rPr lang="de-DE" smtClean="0"/>
-                <a:pPr/>
-                <a:t>16</a:t>
-              </a:fld>
-              <a:endParaRPr lang="de-DE"/>
-            </a:p>
-          </p:txBody>
-        </p:sp>
-      </p:grpSp>
-    </p:spTree>
-  </p:cSld>
-  <p:clrMapOvr>
-    <a:masterClrMapping/>
-  </p:clrMapOvr>
-</p:sld>
-</file>
-
-<file path=ppt/slides/slide17.xml><?xml version="1.0" encoding="utf-8"?>
 <p:sld xmlns:a="http://schemas.openxmlformats.org/drawingml/2006/main" xmlns:r="http://schemas.openxmlformats.org/officeDocument/2006/relationships" xmlns:p="http://schemas.openxmlformats.org/presentationml/2006/main">
   <p:cSld>
     <p:spTree>
@@ -20912,7 +20310,7 @@
               <a:fld id="{ABB89C0B-1ABD-444B-925C-4E47B2F277F6}" type="datetimeFigureOut">
                 <a:rPr lang="de-DE" smtClean="0"/>
                 <a:pPr/>
-                <a:t>10.01.2019</a:t>
+                <a:t>24.02.2019</a:t>
               </a:fld>
               <a:endParaRPr lang="de-DE" dirty="0"/>
             </a:p>
@@ -21174,7 +20572,7 @@
               <a:fld id="{75CEC8DD-A46B-4CAA-B4E1-6A1B652C2BF4}" type="slidenum">
                 <a:rPr lang="de-DE" smtClean="0"/>
                 <a:pPr/>
-                <a:t>17</a:t>
+                <a:t>16</a:t>
               </a:fld>
               <a:endParaRPr lang="de-DE"/>
             </a:p>
@@ -21189,7 +20587,7 @@
 </p:sld>
 </file>
 
-<file path=ppt/slides/slide18.xml><?xml version="1.0" encoding="utf-8"?>
+<file path=ppt/slides/slide17.xml><?xml version="1.0" encoding="utf-8"?>
 <p:sld xmlns:a="http://schemas.openxmlformats.org/drawingml/2006/main" xmlns:r="http://schemas.openxmlformats.org/officeDocument/2006/relationships" xmlns:p="http://schemas.openxmlformats.org/presentationml/2006/main">
   <p:cSld>
     <p:spTree>
@@ -21421,7 +20819,7 @@
               <a:fld id="{ABB89C0B-1ABD-444B-925C-4E47B2F277F6}" type="datetimeFigureOut">
                 <a:rPr lang="de-DE" smtClean="0"/>
                 <a:pPr/>
-                <a:t>10.01.2019</a:t>
+                <a:t>24.02.2019</a:t>
               </a:fld>
               <a:endParaRPr lang="de-DE" dirty="0"/>
             </a:p>
@@ -21683,7 +21081,7 @@
               <a:fld id="{75CEC8DD-A46B-4CAA-B4E1-6A1B652C2BF4}" type="slidenum">
                 <a:rPr lang="de-DE" smtClean="0"/>
                 <a:pPr/>
-                <a:t>18</a:t>
+                <a:t>17</a:t>
               </a:fld>
               <a:endParaRPr lang="de-DE"/>
             </a:p>
@@ -21703,7 +21101,7 @@
 </p:sld>
 </file>
 
-<file path=ppt/slides/slide19.xml><?xml version="1.0" encoding="utf-8"?>
+<file path=ppt/slides/slide18.xml><?xml version="1.0" encoding="utf-8"?>
 <p:sld xmlns:a="http://schemas.openxmlformats.org/drawingml/2006/main" xmlns:r="http://schemas.openxmlformats.org/officeDocument/2006/relationships" xmlns:p="http://schemas.openxmlformats.org/presentationml/2006/main">
   <p:cSld>
     <p:spTree>
@@ -22069,7 +21467,7 @@
               <a:fld id="{ABB89C0B-1ABD-444B-925C-4E47B2F277F6}" type="datetimeFigureOut">
                 <a:rPr lang="de-DE" smtClean="0"/>
                 <a:pPr/>
-                <a:t>10.01.2019</a:t>
+                <a:t>24.02.2019</a:t>
               </a:fld>
               <a:endParaRPr lang="de-DE" dirty="0"/>
             </a:p>
@@ -22211,6 +21609,586 @@
               <a:extLst>
                 <a:ext uri="{FF2B5EF4-FFF2-40B4-BE49-F238E27FC236}">
                   <a16:creationId xmlns:a16="http://schemas.microsoft.com/office/drawing/2014/main" id="{81423558-39B1-43FF-9204-D51852A6FCA4}"/>
+                </a:ext>
+              </a:extLst>
+            </p:cNvPr>
+            <p:cNvSpPr txBox="1">
+              <a:spLocks/>
+            </p:cNvSpPr>
+            <p:nvPr/>
+          </p:nvSpPr>
+          <p:spPr>
+            <a:xfrm>
+              <a:off x="8610600" y="6356350"/>
+              <a:ext cx="2743200" cy="365125"/>
+            </a:xfrm>
+            <a:prstGeom prst="rect">
+              <a:avLst/>
+            </a:prstGeom>
+          </p:spPr>
+          <p:txBody>
+            <a:bodyPr vert="horz" lIns="91440" tIns="45720" rIns="91440" bIns="45720" rtlCol="0" anchor="ctr"/>
+            <a:lstStyle>
+              <a:defPPr>
+                <a:defRPr lang="de-DE"/>
+              </a:defPPr>
+              <a:lvl1pPr marL="0" algn="r" defTabSz="914400" rtl="0" eaLnBrk="1" latinLnBrk="0" hangingPunct="1">
+                <a:defRPr sz="1200" kern="1200">
+                  <a:solidFill>
+                    <a:schemeClr val="tx1">
+                      <a:tint val="75000"/>
+                    </a:schemeClr>
+                  </a:solidFill>
+                  <a:latin typeface="+mn-lt"/>
+                  <a:ea typeface="+mn-ea"/>
+                  <a:cs typeface="+mn-cs"/>
+                </a:defRPr>
+              </a:lvl1pPr>
+              <a:lvl2pPr marL="457200" algn="l" defTabSz="914400" rtl="0" eaLnBrk="1" latinLnBrk="0" hangingPunct="1">
+                <a:defRPr sz="1800" kern="1200">
+                  <a:solidFill>
+                    <a:schemeClr val="tx1"/>
+                  </a:solidFill>
+                  <a:latin typeface="+mn-lt"/>
+                  <a:ea typeface="+mn-ea"/>
+                  <a:cs typeface="+mn-cs"/>
+                </a:defRPr>
+              </a:lvl2pPr>
+              <a:lvl3pPr marL="914400" algn="l" defTabSz="914400" rtl="0" eaLnBrk="1" latinLnBrk="0" hangingPunct="1">
+                <a:defRPr sz="1800" kern="1200">
+                  <a:solidFill>
+                    <a:schemeClr val="tx1"/>
+                  </a:solidFill>
+                  <a:latin typeface="+mn-lt"/>
+                  <a:ea typeface="+mn-ea"/>
+                  <a:cs typeface="+mn-cs"/>
+                </a:defRPr>
+              </a:lvl3pPr>
+              <a:lvl4pPr marL="1371600" algn="l" defTabSz="914400" rtl="0" eaLnBrk="1" latinLnBrk="0" hangingPunct="1">
+                <a:defRPr sz="1800" kern="1200">
+                  <a:solidFill>
+                    <a:schemeClr val="tx1"/>
+                  </a:solidFill>
+                  <a:latin typeface="+mn-lt"/>
+                  <a:ea typeface="+mn-ea"/>
+                  <a:cs typeface="+mn-cs"/>
+                </a:defRPr>
+              </a:lvl4pPr>
+              <a:lvl5pPr marL="1828800" algn="l" defTabSz="914400" rtl="0" eaLnBrk="1" latinLnBrk="0" hangingPunct="1">
+                <a:defRPr sz="1800" kern="1200">
+                  <a:solidFill>
+                    <a:schemeClr val="tx1"/>
+                  </a:solidFill>
+                  <a:latin typeface="+mn-lt"/>
+                  <a:ea typeface="+mn-ea"/>
+                  <a:cs typeface="+mn-cs"/>
+                </a:defRPr>
+              </a:lvl5pPr>
+              <a:lvl6pPr marL="2286000" algn="l" defTabSz="914400" rtl="0" eaLnBrk="1" latinLnBrk="0" hangingPunct="1">
+                <a:defRPr sz="1800" kern="1200">
+                  <a:solidFill>
+                    <a:schemeClr val="tx1"/>
+                  </a:solidFill>
+                  <a:latin typeface="+mn-lt"/>
+                  <a:ea typeface="+mn-ea"/>
+                  <a:cs typeface="+mn-cs"/>
+                </a:defRPr>
+              </a:lvl6pPr>
+              <a:lvl7pPr marL="2743200" algn="l" defTabSz="914400" rtl="0" eaLnBrk="1" latinLnBrk="0" hangingPunct="1">
+                <a:defRPr sz="1800" kern="1200">
+                  <a:solidFill>
+                    <a:schemeClr val="tx1"/>
+                  </a:solidFill>
+                  <a:latin typeface="+mn-lt"/>
+                  <a:ea typeface="+mn-ea"/>
+                  <a:cs typeface="+mn-cs"/>
+                </a:defRPr>
+              </a:lvl7pPr>
+              <a:lvl8pPr marL="3200400" algn="l" defTabSz="914400" rtl="0" eaLnBrk="1" latinLnBrk="0" hangingPunct="1">
+                <a:defRPr sz="1800" kern="1200">
+                  <a:solidFill>
+                    <a:schemeClr val="tx1"/>
+                  </a:solidFill>
+                  <a:latin typeface="+mn-lt"/>
+                  <a:ea typeface="+mn-ea"/>
+                  <a:cs typeface="+mn-cs"/>
+                </a:defRPr>
+              </a:lvl8pPr>
+              <a:lvl9pPr marL="3657600" algn="l" defTabSz="914400" rtl="0" eaLnBrk="1" latinLnBrk="0" hangingPunct="1">
+                <a:defRPr sz="1800" kern="1200">
+                  <a:solidFill>
+                    <a:schemeClr val="tx1"/>
+                  </a:solidFill>
+                  <a:latin typeface="+mn-lt"/>
+                  <a:ea typeface="+mn-ea"/>
+                  <a:cs typeface="+mn-cs"/>
+                </a:defRPr>
+              </a:lvl9pPr>
+            </a:lstStyle>
+            <a:p>
+              <a:fld id="{75CEC8DD-A46B-4CAA-B4E1-6A1B652C2BF4}" type="slidenum">
+                <a:rPr lang="de-DE" smtClean="0"/>
+                <a:pPr/>
+                <a:t>18</a:t>
+              </a:fld>
+              <a:endParaRPr lang="de-DE"/>
+            </a:p>
+          </p:txBody>
+        </p:sp>
+      </p:grpSp>
+    </p:spTree>
+  </p:cSld>
+  <p:clrMapOvr>
+    <a:masterClrMapping/>
+  </p:clrMapOvr>
+</p:sld>
+</file>
+
+<file path=ppt/slides/slide19.xml><?xml version="1.0" encoding="utf-8"?>
+<p:sld xmlns:a="http://schemas.openxmlformats.org/drawingml/2006/main" xmlns:r="http://schemas.openxmlformats.org/officeDocument/2006/relationships" xmlns:p="http://schemas.openxmlformats.org/presentationml/2006/main">
+  <p:cSld>
+    <p:spTree>
+      <p:nvGrpSpPr>
+        <p:cNvPr id="1" name=""/>
+        <p:cNvGrpSpPr/>
+        <p:nvPr/>
+      </p:nvGrpSpPr>
+      <p:grpSpPr>
+        <a:xfrm>
+          <a:off x="0" y="0"/>
+          <a:ext cx="0" cy="0"/>
+          <a:chOff x="0" y="0"/>
+          <a:chExt cx="0" cy="0"/>
+        </a:xfrm>
+      </p:grpSpPr>
+      <p:sp>
+        <p:nvSpPr>
+          <p:cNvPr id="2" name="Titel 1">
+            <a:extLst>
+              <a:ext uri="{FF2B5EF4-FFF2-40B4-BE49-F238E27FC236}">
+                <a16:creationId xmlns:a16="http://schemas.microsoft.com/office/drawing/2014/main" id="{63AD6B99-74F8-4BA5-A431-8B83E6907E44}"/>
+              </a:ext>
+            </a:extLst>
+          </p:cNvPr>
+          <p:cNvSpPr txBox="1">
+            <a:spLocks noGrp="1"/>
+          </p:cNvSpPr>
+          <p:nvPr>
+            <p:ph type="title"/>
+          </p:nvPr>
+        </p:nvSpPr>
+        <p:spPr/>
+        <p:txBody>
+          <a:bodyPr/>
+          <a:lstStyle/>
+          <a:p>
+            <a:pPr lvl="0"/>
+            <a:r>
+              <a:rPr lang="de-DE"/>
+              <a:t>Subsystementwurf und -architektur</a:t>
+            </a:r>
+          </a:p>
+        </p:txBody>
+      </p:sp>
+      <p:sp>
+        <p:nvSpPr>
+          <p:cNvPr id="3" name="Inhaltsplatzhalter 2">
+            <a:extLst>
+              <a:ext uri="{FF2B5EF4-FFF2-40B4-BE49-F238E27FC236}">
+                <a16:creationId xmlns:a16="http://schemas.microsoft.com/office/drawing/2014/main" id="{39CB152E-CEF3-4C1C-9E66-9E38FCA2C45F}"/>
+              </a:ext>
+            </a:extLst>
+          </p:cNvPr>
+          <p:cNvSpPr txBox="1">
+            <a:spLocks noGrp="1"/>
+          </p:cNvSpPr>
+          <p:nvPr>
+            <p:ph idx="1"/>
+          </p:nvPr>
+        </p:nvSpPr>
+        <p:spPr>
+          <a:xfrm>
+            <a:off x="838203" y="1741737"/>
+            <a:ext cx="10515600" cy="4459062"/>
+          </a:xfrm>
+        </p:spPr>
+        <p:txBody>
+          <a:bodyPr/>
+          <a:lstStyle/>
+          <a:p>
+            <a:pPr lvl="0"/>
+            <a:r>
+              <a:rPr lang="de-DE"/>
+              <a:t>Welche Domänen werden berücksichtigt?</a:t>
+            </a:r>
+          </a:p>
+          <a:p>
+            <a:pPr lvl="1"/>
+            <a:r>
+              <a:rPr lang="de-DE"/>
+              <a:t>Software </a:t>
+            </a:r>
+          </a:p>
+          <a:p>
+            <a:pPr lvl="2"/>
+            <a:r>
+              <a:rPr lang="de-DE"/>
+              <a:t>Steuerung der LEDs</a:t>
+            </a:r>
+          </a:p>
+          <a:p>
+            <a:pPr lvl="2"/>
+            <a:r>
+              <a:rPr lang="de-DE"/>
+              <a:t>Empfangen und Verarbeiten der Daten von Scanner und Sensoren</a:t>
+            </a:r>
+          </a:p>
+          <a:p>
+            <a:pPr lvl="2"/>
+            <a:r>
+              <a:rPr lang="de-DE"/>
+              <a:t>Datenbank</a:t>
+            </a:r>
+          </a:p>
+          <a:p>
+            <a:pPr lvl="1"/>
+            <a:r>
+              <a:rPr lang="de-DE"/>
+              <a:t>Elektronik</a:t>
+            </a:r>
+          </a:p>
+          <a:p>
+            <a:pPr lvl="2"/>
+            <a:r>
+              <a:rPr lang="de-DE"/>
+              <a:t>LEDs</a:t>
+            </a:r>
+          </a:p>
+          <a:p>
+            <a:pPr lvl="2"/>
+            <a:r>
+              <a:rPr lang="de-DE"/>
+              <a:t>Raspberry-Pi &amp; ActivityBot</a:t>
+            </a:r>
+          </a:p>
+          <a:p>
+            <a:pPr lvl="2"/>
+            <a:r>
+              <a:rPr lang="de-DE"/>
+              <a:t>Barcodescanner</a:t>
+            </a:r>
+          </a:p>
+          <a:p>
+            <a:pPr lvl="1"/>
+            <a:r>
+              <a:rPr lang="de-DE"/>
+              <a:t>Services</a:t>
+            </a:r>
+          </a:p>
+          <a:p>
+            <a:pPr lvl="2"/>
+            <a:r>
+              <a:rPr lang="de-DE"/>
+              <a:t>Müllabfuhr</a:t>
+            </a:r>
+          </a:p>
+          <a:p>
+            <a:pPr lvl="2"/>
+            <a:r>
+              <a:rPr lang="de-DE"/>
+              <a:t>Belohnungssystem</a:t>
+            </a:r>
+          </a:p>
+        </p:txBody>
+      </p:sp>
+      <p:grpSp>
+        <p:nvGrpSpPr>
+          <p:cNvPr id="7" name="Gruppieren 6">
+            <a:extLst>
+              <a:ext uri="{FF2B5EF4-FFF2-40B4-BE49-F238E27FC236}">
+                <a16:creationId xmlns:a16="http://schemas.microsoft.com/office/drawing/2014/main" id="{C8CF8CC5-FA5A-4738-8B2D-23F6AB90EE5E}"/>
+              </a:ext>
+            </a:extLst>
+          </p:cNvPr>
+          <p:cNvGrpSpPr/>
+          <p:nvPr/>
+        </p:nvGrpSpPr>
+        <p:grpSpPr>
+          <a:xfrm>
+            <a:off x="838200" y="6356350"/>
+            <a:ext cx="10515600" cy="365125"/>
+            <a:chOff x="838200" y="6356350"/>
+            <a:chExt cx="10515600" cy="365125"/>
+          </a:xfrm>
+        </p:grpSpPr>
+        <p:sp>
+          <p:nvSpPr>
+            <p:cNvPr id="8" name="Datumsplatzhalter 3">
+              <a:extLst>
+                <a:ext uri="{FF2B5EF4-FFF2-40B4-BE49-F238E27FC236}">
+                  <a16:creationId xmlns:a16="http://schemas.microsoft.com/office/drawing/2014/main" id="{AD8EAB5C-3E2B-4893-B462-1228BFD3B41A}"/>
+                </a:ext>
+              </a:extLst>
+            </p:cNvPr>
+            <p:cNvSpPr txBox="1">
+              <a:spLocks/>
+            </p:cNvSpPr>
+            <p:nvPr/>
+          </p:nvSpPr>
+          <p:spPr>
+            <a:xfrm>
+              <a:off x="838200" y="6356350"/>
+              <a:ext cx="2743200" cy="365125"/>
+            </a:xfrm>
+            <a:prstGeom prst="rect">
+              <a:avLst/>
+            </a:prstGeom>
+          </p:spPr>
+          <p:txBody>
+            <a:bodyPr vert="horz" lIns="91440" tIns="45720" rIns="91440" bIns="45720" rtlCol="0" anchor="ctr"/>
+            <a:lstStyle>
+              <a:defPPr>
+                <a:defRPr lang="de-DE"/>
+              </a:defPPr>
+              <a:lvl1pPr marL="0" algn="l" defTabSz="914400" rtl="0" eaLnBrk="1" latinLnBrk="0" hangingPunct="1">
+                <a:defRPr sz="1200" kern="1200">
+                  <a:solidFill>
+                    <a:schemeClr val="tx1">
+                      <a:tint val="75000"/>
+                    </a:schemeClr>
+                  </a:solidFill>
+                  <a:latin typeface="+mn-lt"/>
+                  <a:ea typeface="+mn-ea"/>
+                  <a:cs typeface="+mn-cs"/>
+                </a:defRPr>
+              </a:lvl1pPr>
+              <a:lvl2pPr marL="457200" algn="l" defTabSz="914400" rtl="0" eaLnBrk="1" latinLnBrk="0" hangingPunct="1">
+                <a:defRPr sz="1800" kern="1200">
+                  <a:solidFill>
+                    <a:schemeClr val="tx1"/>
+                  </a:solidFill>
+                  <a:latin typeface="+mn-lt"/>
+                  <a:ea typeface="+mn-ea"/>
+                  <a:cs typeface="+mn-cs"/>
+                </a:defRPr>
+              </a:lvl2pPr>
+              <a:lvl3pPr marL="914400" algn="l" defTabSz="914400" rtl="0" eaLnBrk="1" latinLnBrk="0" hangingPunct="1">
+                <a:defRPr sz="1800" kern="1200">
+                  <a:solidFill>
+                    <a:schemeClr val="tx1"/>
+                  </a:solidFill>
+                  <a:latin typeface="+mn-lt"/>
+                  <a:ea typeface="+mn-ea"/>
+                  <a:cs typeface="+mn-cs"/>
+                </a:defRPr>
+              </a:lvl3pPr>
+              <a:lvl4pPr marL="1371600" algn="l" defTabSz="914400" rtl="0" eaLnBrk="1" latinLnBrk="0" hangingPunct="1">
+                <a:defRPr sz="1800" kern="1200">
+                  <a:solidFill>
+                    <a:schemeClr val="tx1"/>
+                  </a:solidFill>
+                  <a:latin typeface="+mn-lt"/>
+                  <a:ea typeface="+mn-ea"/>
+                  <a:cs typeface="+mn-cs"/>
+                </a:defRPr>
+              </a:lvl4pPr>
+              <a:lvl5pPr marL="1828800" algn="l" defTabSz="914400" rtl="0" eaLnBrk="1" latinLnBrk="0" hangingPunct="1">
+                <a:defRPr sz="1800" kern="1200">
+                  <a:solidFill>
+                    <a:schemeClr val="tx1"/>
+                  </a:solidFill>
+                  <a:latin typeface="+mn-lt"/>
+                  <a:ea typeface="+mn-ea"/>
+                  <a:cs typeface="+mn-cs"/>
+                </a:defRPr>
+              </a:lvl5pPr>
+              <a:lvl6pPr marL="2286000" algn="l" defTabSz="914400" rtl="0" eaLnBrk="1" latinLnBrk="0" hangingPunct="1">
+                <a:defRPr sz="1800" kern="1200">
+                  <a:solidFill>
+                    <a:schemeClr val="tx1"/>
+                  </a:solidFill>
+                  <a:latin typeface="+mn-lt"/>
+                  <a:ea typeface="+mn-ea"/>
+                  <a:cs typeface="+mn-cs"/>
+                </a:defRPr>
+              </a:lvl6pPr>
+              <a:lvl7pPr marL="2743200" algn="l" defTabSz="914400" rtl="0" eaLnBrk="1" latinLnBrk="0" hangingPunct="1">
+                <a:defRPr sz="1800" kern="1200">
+                  <a:solidFill>
+                    <a:schemeClr val="tx1"/>
+                  </a:solidFill>
+                  <a:latin typeface="+mn-lt"/>
+                  <a:ea typeface="+mn-ea"/>
+                  <a:cs typeface="+mn-cs"/>
+                </a:defRPr>
+              </a:lvl7pPr>
+              <a:lvl8pPr marL="3200400" algn="l" defTabSz="914400" rtl="0" eaLnBrk="1" latinLnBrk="0" hangingPunct="1">
+                <a:defRPr sz="1800" kern="1200">
+                  <a:solidFill>
+                    <a:schemeClr val="tx1"/>
+                  </a:solidFill>
+                  <a:latin typeface="+mn-lt"/>
+                  <a:ea typeface="+mn-ea"/>
+                  <a:cs typeface="+mn-cs"/>
+                </a:defRPr>
+              </a:lvl8pPr>
+              <a:lvl9pPr marL="3657600" algn="l" defTabSz="914400" rtl="0" eaLnBrk="1" latinLnBrk="0" hangingPunct="1">
+                <a:defRPr sz="1800" kern="1200">
+                  <a:solidFill>
+                    <a:schemeClr val="tx1"/>
+                  </a:solidFill>
+                  <a:latin typeface="+mn-lt"/>
+                  <a:ea typeface="+mn-ea"/>
+                  <a:cs typeface="+mn-cs"/>
+                </a:defRPr>
+              </a:lvl9pPr>
+            </a:lstStyle>
+            <a:p>
+              <a:fld id="{ABB89C0B-1ABD-444B-925C-4E47B2F277F6}" type="datetimeFigureOut">
+                <a:rPr lang="de-DE" smtClean="0"/>
+                <a:pPr/>
+                <a:t>24.02.2019</a:t>
+              </a:fld>
+              <a:endParaRPr lang="de-DE" dirty="0"/>
+            </a:p>
+          </p:txBody>
+        </p:sp>
+        <p:sp>
+          <p:nvSpPr>
+            <p:cNvPr id="9" name="Fußzeilenplatzhalter 4">
+              <a:extLst>
+                <a:ext uri="{FF2B5EF4-FFF2-40B4-BE49-F238E27FC236}">
+                  <a16:creationId xmlns:a16="http://schemas.microsoft.com/office/drawing/2014/main" id="{6D350FF1-169D-4185-B4B4-A15FA373F0EE}"/>
+                </a:ext>
+              </a:extLst>
+            </p:cNvPr>
+            <p:cNvSpPr txBox="1">
+              <a:spLocks/>
+            </p:cNvSpPr>
+            <p:nvPr/>
+          </p:nvSpPr>
+          <p:spPr>
+            <a:xfrm>
+              <a:off x="2460858" y="6356350"/>
+              <a:ext cx="6070134" cy="365125"/>
+            </a:xfrm>
+            <a:prstGeom prst="rect">
+              <a:avLst/>
+            </a:prstGeom>
+          </p:spPr>
+          <p:txBody>
+            <a:bodyPr vert="horz" lIns="91440" tIns="45720" rIns="91440" bIns="45720" rtlCol="0" anchor="ctr"/>
+            <a:lstStyle>
+              <a:defPPr>
+                <a:defRPr lang="de-DE"/>
+              </a:defPPr>
+              <a:lvl1pPr marL="0" algn="ctr" defTabSz="914400" rtl="0" eaLnBrk="1" latinLnBrk="0" hangingPunct="1">
+                <a:defRPr sz="1200" kern="1200">
+                  <a:solidFill>
+                    <a:schemeClr val="tx1">
+                      <a:tint val="75000"/>
+                    </a:schemeClr>
+                  </a:solidFill>
+                  <a:latin typeface="+mn-lt"/>
+                  <a:ea typeface="+mn-ea"/>
+                  <a:cs typeface="+mn-cs"/>
+                </a:defRPr>
+              </a:lvl1pPr>
+              <a:lvl2pPr marL="457200" algn="l" defTabSz="914400" rtl="0" eaLnBrk="1" latinLnBrk="0" hangingPunct="1">
+                <a:defRPr sz="1800" kern="1200">
+                  <a:solidFill>
+                    <a:schemeClr val="tx1"/>
+                  </a:solidFill>
+                  <a:latin typeface="+mn-lt"/>
+                  <a:ea typeface="+mn-ea"/>
+                  <a:cs typeface="+mn-cs"/>
+                </a:defRPr>
+              </a:lvl2pPr>
+              <a:lvl3pPr marL="914400" algn="l" defTabSz="914400" rtl="0" eaLnBrk="1" latinLnBrk="0" hangingPunct="1">
+                <a:defRPr sz="1800" kern="1200">
+                  <a:solidFill>
+                    <a:schemeClr val="tx1"/>
+                  </a:solidFill>
+                  <a:latin typeface="+mn-lt"/>
+                  <a:ea typeface="+mn-ea"/>
+                  <a:cs typeface="+mn-cs"/>
+                </a:defRPr>
+              </a:lvl3pPr>
+              <a:lvl4pPr marL="1371600" algn="l" defTabSz="914400" rtl="0" eaLnBrk="1" latinLnBrk="0" hangingPunct="1">
+                <a:defRPr sz="1800" kern="1200">
+                  <a:solidFill>
+                    <a:schemeClr val="tx1"/>
+                  </a:solidFill>
+                  <a:latin typeface="+mn-lt"/>
+                  <a:ea typeface="+mn-ea"/>
+                  <a:cs typeface="+mn-cs"/>
+                </a:defRPr>
+              </a:lvl4pPr>
+              <a:lvl5pPr marL="1828800" algn="l" defTabSz="914400" rtl="0" eaLnBrk="1" latinLnBrk="0" hangingPunct="1">
+                <a:defRPr sz="1800" kern="1200">
+                  <a:solidFill>
+                    <a:schemeClr val="tx1"/>
+                  </a:solidFill>
+                  <a:latin typeface="+mn-lt"/>
+                  <a:ea typeface="+mn-ea"/>
+                  <a:cs typeface="+mn-cs"/>
+                </a:defRPr>
+              </a:lvl5pPr>
+              <a:lvl6pPr marL="2286000" algn="l" defTabSz="914400" rtl="0" eaLnBrk="1" latinLnBrk="0" hangingPunct="1">
+                <a:defRPr sz="1800" kern="1200">
+                  <a:solidFill>
+                    <a:schemeClr val="tx1"/>
+                  </a:solidFill>
+                  <a:latin typeface="+mn-lt"/>
+                  <a:ea typeface="+mn-ea"/>
+                  <a:cs typeface="+mn-cs"/>
+                </a:defRPr>
+              </a:lvl6pPr>
+              <a:lvl7pPr marL="2743200" algn="l" defTabSz="914400" rtl="0" eaLnBrk="1" latinLnBrk="0" hangingPunct="1">
+                <a:defRPr sz="1800" kern="1200">
+                  <a:solidFill>
+                    <a:schemeClr val="tx1"/>
+                  </a:solidFill>
+                  <a:latin typeface="+mn-lt"/>
+                  <a:ea typeface="+mn-ea"/>
+                  <a:cs typeface="+mn-cs"/>
+                </a:defRPr>
+              </a:lvl7pPr>
+              <a:lvl8pPr marL="3200400" algn="l" defTabSz="914400" rtl="0" eaLnBrk="1" latinLnBrk="0" hangingPunct="1">
+                <a:defRPr sz="1800" kern="1200">
+                  <a:solidFill>
+                    <a:schemeClr val="tx1"/>
+                  </a:solidFill>
+                  <a:latin typeface="+mn-lt"/>
+                  <a:ea typeface="+mn-ea"/>
+                  <a:cs typeface="+mn-cs"/>
+                </a:defRPr>
+              </a:lvl8pPr>
+              <a:lvl9pPr marL="3657600" algn="l" defTabSz="914400" rtl="0" eaLnBrk="1" latinLnBrk="0" hangingPunct="1">
+                <a:defRPr sz="1800" kern="1200">
+                  <a:solidFill>
+                    <a:schemeClr val="tx1"/>
+                  </a:solidFill>
+                  <a:latin typeface="+mn-lt"/>
+                  <a:ea typeface="+mn-ea"/>
+                  <a:cs typeface="+mn-cs"/>
+                </a:defRPr>
+              </a:lvl9pPr>
+            </a:lstStyle>
+            <a:p>
+              <a:r>
+                <a:rPr lang="de-DE" dirty="0"/>
+                <a:t>Praktikum Konstruktionslehre WiSe 2018/19</a:t>
+              </a:r>
+            </a:p>
+          </p:txBody>
+        </p:sp>
+        <p:sp>
+          <p:nvSpPr>
+            <p:cNvPr id="10" name="Foliennummernplatzhalter 5">
+              <a:extLst>
+                <a:ext uri="{FF2B5EF4-FFF2-40B4-BE49-F238E27FC236}">
+                  <a16:creationId xmlns:a16="http://schemas.microsoft.com/office/drawing/2014/main" id="{18C3D541-5864-4E49-BB4D-203449164713}"/>
                 </a:ext>
               </a:extLst>
             </p:cNvPr>
@@ -22553,586 +22531,6 @@
 </file>
 
 <file path=ppt/slides/slide20.xml><?xml version="1.0" encoding="utf-8"?>
-<p:sld xmlns:a="http://schemas.openxmlformats.org/drawingml/2006/main" xmlns:r="http://schemas.openxmlformats.org/officeDocument/2006/relationships" xmlns:p="http://schemas.openxmlformats.org/presentationml/2006/main">
-  <p:cSld>
-    <p:spTree>
-      <p:nvGrpSpPr>
-        <p:cNvPr id="1" name=""/>
-        <p:cNvGrpSpPr/>
-        <p:nvPr/>
-      </p:nvGrpSpPr>
-      <p:grpSpPr>
-        <a:xfrm>
-          <a:off x="0" y="0"/>
-          <a:ext cx="0" cy="0"/>
-          <a:chOff x="0" y="0"/>
-          <a:chExt cx="0" cy="0"/>
-        </a:xfrm>
-      </p:grpSpPr>
-      <p:sp>
-        <p:nvSpPr>
-          <p:cNvPr id="2" name="Titel 1">
-            <a:extLst>
-              <a:ext uri="{FF2B5EF4-FFF2-40B4-BE49-F238E27FC236}">
-                <a16:creationId xmlns:a16="http://schemas.microsoft.com/office/drawing/2014/main" id="{63AD6B99-74F8-4BA5-A431-8B83E6907E44}"/>
-              </a:ext>
-            </a:extLst>
-          </p:cNvPr>
-          <p:cNvSpPr txBox="1">
-            <a:spLocks noGrp="1"/>
-          </p:cNvSpPr>
-          <p:nvPr>
-            <p:ph type="title"/>
-          </p:nvPr>
-        </p:nvSpPr>
-        <p:spPr/>
-        <p:txBody>
-          <a:bodyPr/>
-          <a:lstStyle/>
-          <a:p>
-            <a:pPr lvl="0"/>
-            <a:r>
-              <a:rPr lang="de-DE"/>
-              <a:t>Subsystementwurf und -architektur</a:t>
-            </a:r>
-          </a:p>
-        </p:txBody>
-      </p:sp>
-      <p:sp>
-        <p:nvSpPr>
-          <p:cNvPr id="3" name="Inhaltsplatzhalter 2">
-            <a:extLst>
-              <a:ext uri="{FF2B5EF4-FFF2-40B4-BE49-F238E27FC236}">
-                <a16:creationId xmlns:a16="http://schemas.microsoft.com/office/drawing/2014/main" id="{39CB152E-CEF3-4C1C-9E66-9E38FCA2C45F}"/>
-              </a:ext>
-            </a:extLst>
-          </p:cNvPr>
-          <p:cNvSpPr txBox="1">
-            <a:spLocks noGrp="1"/>
-          </p:cNvSpPr>
-          <p:nvPr>
-            <p:ph idx="1"/>
-          </p:nvPr>
-        </p:nvSpPr>
-        <p:spPr>
-          <a:xfrm>
-            <a:off x="838203" y="1741737"/>
-            <a:ext cx="10515600" cy="4459062"/>
-          </a:xfrm>
-        </p:spPr>
-        <p:txBody>
-          <a:bodyPr/>
-          <a:lstStyle/>
-          <a:p>
-            <a:pPr lvl="0"/>
-            <a:r>
-              <a:rPr lang="de-DE"/>
-              <a:t>Welche Domänen werden berücksichtigt?</a:t>
-            </a:r>
-          </a:p>
-          <a:p>
-            <a:pPr lvl="1"/>
-            <a:r>
-              <a:rPr lang="de-DE"/>
-              <a:t>Software </a:t>
-            </a:r>
-          </a:p>
-          <a:p>
-            <a:pPr lvl="2"/>
-            <a:r>
-              <a:rPr lang="de-DE"/>
-              <a:t>Steuerung der LEDs</a:t>
-            </a:r>
-          </a:p>
-          <a:p>
-            <a:pPr lvl="2"/>
-            <a:r>
-              <a:rPr lang="de-DE"/>
-              <a:t>Empfangen und Verarbeiten der Daten von Scanner und Sensoren</a:t>
-            </a:r>
-          </a:p>
-          <a:p>
-            <a:pPr lvl="2"/>
-            <a:r>
-              <a:rPr lang="de-DE"/>
-              <a:t>Datenbank</a:t>
-            </a:r>
-          </a:p>
-          <a:p>
-            <a:pPr lvl="1"/>
-            <a:r>
-              <a:rPr lang="de-DE"/>
-              <a:t>Elektronik</a:t>
-            </a:r>
-          </a:p>
-          <a:p>
-            <a:pPr lvl="2"/>
-            <a:r>
-              <a:rPr lang="de-DE"/>
-              <a:t>LEDs</a:t>
-            </a:r>
-          </a:p>
-          <a:p>
-            <a:pPr lvl="2"/>
-            <a:r>
-              <a:rPr lang="de-DE"/>
-              <a:t>Raspberry-Pi &amp; ActivityBot</a:t>
-            </a:r>
-          </a:p>
-          <a:p>
-            <a:pPr lvl="2"/>
-            <a:r>
-              <a:rPr lang="de-DE"/>
-              <a:t>Barcodescanner</a:t>
-            </a:r>
-          </a:p>
-          <a:p>
-            <a:pPr lvl="1"/>
-            <a:r>
-              <a:rPr lang="de-DE"/>
-              <a:t>Services</a:t>
-            </a:r>
-          </a:p>
-          <a:p>
-            <a:pPr lvl="2"/>
-            <a:r>
-              <a:rPr lang="de-DE"/>
-              <a:t>Müllabfuhr</a:t>
-            </a:r>
-          </a:p>
-          <a:p>
-            <a:pPr lvl="2"/>
-            <a:r>
-              <a:rPr lang="de-DE"/>
-              <a:t>Belohnungssystem</a:t>
-            </a:r>
-          </a:p>
-        </p:txBody>
-      </p:sp>
-      <p:grpSp>
-        <p:nvGrpSpPr>
-          <p:cNvPr id="7" name="Gruppieren 6">
-            <a:extLst>
-              <a:ext uri="{FF2B5EF4-FFF2-40B4-BE49-F238E27FC236}">
-                <a16:creationId xmlns:a16="http://schemas.microsoft.com/office/drawing/2014/main" id="{C8CF8CC5-FA5A-4738-8B2D-23F6AB90EE5E}"/>
-              </a:ext>
-            </a:extLst>
-          </p:cNvPr>
-          <p:cNvGrpSpPr/>
-          <p:nvPr/>
-        </p:nvGrpSpPr>
-        <p:grpSpPr>
-          <a:xfrm>
-            <a:off x="838200" y="6356350"/>
-            <a:ext cx="10515600" cy="365125"/>
-            <a:chOff x="838200" y="6356350"/>
-            <a:chExt cx="10515600" cy="365125"/>
-          </a:xfrm>
-        </p:grpSpPr>
-        <p:sp>
-          <p:nvSpPr>
-            <p:cNvPr id="8" name="Datumsplatzhalter 3">
-              <a:extLst>
-                <a:ext uri="{FF2B5EF4-FFF2-40B4-BE49-F238E27FC236}">
-                  <a16:creationId xmlns:a16="http://schemas.microsoft.com/office/drawing/2014/main" id="{AD8EAB5C-3E2B-4893-B462-1228BFD3B41A}"/>
-                </a:ext>
-              </a:extLst>
-            </p:cNvPr>
-            <p:cNvSpPr txBox="1">
-              <a:spLocks/>
-            </p:cNvSpPr>
-            <p:nvPr/>
-          </p:nvSpPr>
-          <p:spPr>
-            <a:xfrm>
-              <a:off x="838200" y="6356350"/>
-              <a:ext cx="2743200" cy="365125"/>
-            </a:xfrm>
-            <a:prstGeom prst="rect">
-              <a:avLst/>
-            </a:prstGeom>
-          </p:spPr>
-          <p:txBody>
-            <a:bodyPr vert="horz" lIns="91440" tIns="45720" rIns="91440" bIns="45720" rtlCol="0" anchor="ctr"/>
-            <a:lstStyle>
-              <a:defPPr>
-                <a:defRPr lang="de-DE"/>
-              </a:defPPr>
-              <a:lvl1pPr marL="0" algn="l" defTabSz="914400" rtl="0" eaLnBrk="1" latinLnBrk="0" hangingPunct="1">
-                <a:defRPr sz="1200" kern="1200">
-                  <a:solidFill>
-                    <a:schemeClr val="tx1">
-                      <a:tint val="75000"/>
-                    </a:schemeClr>
-                  </a:solidFill>
-                  <a:latin typeface="+mn-lt"/>
-                  <a:ea typeface="+mn-ea"/>
-                  <a:cs typeface="+mn-cs"/>
-                </a:defRPr>
-              </a:lvl1pPr>
-              <a:lvl2pPr marL="457200" algn="l" defTabSz="914400" rtl="0" eaLnBrk="1" latinLnBrk="0" hangingPunct="1">
-                <a:defRPr sz="1800" kern="1200">
-                  <a:solidFill>
-                    <a:schemeClr val="tx1"/>
-                  </a:solidFill>
-                  <a:latin typeface="+mn-lt"/>
-                  <a:ea typeface="+mn-ea"/>
-                  <a:cs typeface="+mn-cs"/>
-                </a:defRPr>
-              </a:lvl2pPr>
-              <a:lvl3pPr marL="914400" algn="l" defTabSz="914400" rtl="0" eaLnBrk="1" latinLnBrk="0" hangingPunct="1">
-                <a:defRPr sz="1800" kern="1200">
-                  <a:solidFill>
-                    <a:schemeClr val="tx1"/>
-                  </a:solidFill>
-                  <a:latin typeface="+mn-lt"/>
-                  <a:ea typeface="+mn-ea"/>
-                  <a:cs typeface="+mn-cs"/>
-                </a:defRPr>
-              </a:lvl3pPr>
-              <a:lvl4pPr marL="1371600" algn="l" defTabSz="914400" rtl="0" eaLnBrk="1" latinLnBrk="0" hangingPunct="1">
-                <a:defRPr sz="1800" kern="1200">
-                  <a:solidFill>
-                    <a:schemeClr val="tx1"/>
-                  </a:solidFill>
-                  <a:latin typeface="+mn-lt"/>
-                  <a:ea typeface="+mn-ea"/>
-                  <a:cs typeface="+mn-cs"/>
-                </a:defRPr>
-              </a:lvl4pPr>
-              <a:lvl5pPr marL="1828800" algn="l" defTabSz="914400" rtl="0" eaLnBrk="1" latinLnBrk="0" hangingPunct="1">
-                <a:defRPr sz="1800" kern="1200">
-                  <a:solidFill>
-                    <a:schemeClr val="tx1"/>
-                  </a:solidFill>
-                  <a:latin typeface="+mn-lt"/>
-                  <a:ea typeface="+mn-ea"/>
-                  <a:cs typeface="+mn-cs"/>
-                </a:defRPr>
-              </a:lvl5pPr>
-              <a:lvl6pPr marL="2286000" algn="l" defTabSz="914400" rtl="0" eaLnBrk="1" latinLnBrk="0" hangingPunct="1">
-                <a:defRPr sz="1800" kern="1200">
-                  <a:solidFill>
-                    <a:schemeClr val="tx1"/>
-                  </a:solidFill>
-                  <a:latin typeface="+mn-lt"/>
-                  <a:ea typeface="+mn-ea"/>
-                  <a:cs typeface="+mn-cs"/>
-                </a:defRPr>
-              </a:lvl6pPr>
-              <a:lvl7pPr marL="2743200" algn="l" defTabSz="914400" rtl="0" eaLnBrk="1" latinLnBrk="0" hangingPunct="1">
-                <a:defRPr sz="1800" kern="1200">
-                  <a:solidFill>
-                    <a:schemeClr val="tx1"/>
-                  </a:solidFill>
-                  <a:latin typeface="+mn-lt"/>
-                  <a:ea typeface="+mn-ea"/>
-                  <a:cs typeface="+mn-cs"/>
-                </a:defRPr>
-              </a:lvl7pPr>
-              <a:lvl8pPr marL="3200400" algn="l" defTabSz="914400" rtl="0" eaLnBrk="1" latinLnBrk="0" hangingPunct="1">
-                <a:defRPr sz="1800" kern="1200">
-                  <a:solidFill>
-                    <a:schemeClr val="tx1"/>
-                  </a:solidFill>
-                  <a:latin typeface="+mn-lt"/>
-                  <a:ea typeface="+mn-ea"/>
-                  <a:cs typeface="+mn-cs"/>
-                </a:defRPr>
-              </a:lvl8pPr>
-              <a:lvl9pPr marL="3657600" algn="l" defTabSz="914400" rtl="0" eaLnBrk="1" latinLnBrk="0" hangingPunct="1">
-                <a:defRPr sz="1800" kern="1200">
-                  <a:solidFill>
-                    <a:schemeClr val="tx1"/>
-                  </a:solidFill>
-                  <a:latin typeface="+mn-lt"/>
-                  <a:ea typeface="+mn-ea"/>
-                  <a:cs typeface="+mn-cs"/>
-                </a:defRPr>
-              </a:lvl9pPr>
-            </a:lstStyle>
-            <a:p>
-              <a:fld id="{ABB89C0B-1ABD-444B-925C-4E47B2F277F6}" type="datetimeFigureOut">
-                <a:rPr lang="de-DE" smtClean="0"/>
-                <a:pPr/>
-                <a:t>10.01.2019</a:t>
-              </a:fld>
-              <a:endParaRPr lang="de-DE" dirty="0"/>
-            </a:p>
-          </p:txBody>
-        </p:sp>
-        <p:sp>
-          <p:nvSpPr>
-            <p:cNvPr id="9" name="Fußzeilenplatzhalter 4">
-              <a:extLst>
-                <a:ext uri="{FF2B5EF4-FFF2-40B4-BE49-F238E27FC236}">
-                  <a16:creationId xmlns:a16="http://schemas.microsoft.com/office/drawing/2014/main" id="{6D350FF1-169D-4185-B4B4-A15FA373F0EE}"/>
-                </a:ext>
-              </a:extLst>
-            </p:cNvPr>
-            <p:cNvSpPr txBox="1">
-              <a:spLocks/>
-            </p:cNvSpPr>
-            <p:nvPr/>
-          </p:nvSpPr>
-          <p:spPr>
-            <a:xfrm>
-              <a:off x="2460858" y="6356350"/>
-              <a:ext cx="6070134" cy="365125"/>
-            </a:xfrm>
-            <a:prstGeom prst="rect">
-              <a:avLst/>
-            </a:prstGeom>
-          </p:spPr>
-          <p:txBody>
-            <a:bodyPr vert="horz" lIns="91440" tIns="45720" rIns="91440" bIns="45720" rtlCol="0" anchor="ctr"/>
-            <a:lstStyle>
-              <a:defPPr>
-                <a:defRPr lang="de-DE"/>
-              </a:defPPr>
-              <a:lvl1pPr marL="0" algn="ctr" defTabSz="914400" rtl="0" eaLnBrk="1" latinLnBrk="0" hangingPunct="1">
-                <a:defRPr sz="1200" kern="1200">
-                  <a:solidFill>
-                    <a:schemeClr val="tx1">
-                      <a:tint val="75000"/>
-                    </a:schemeClr>
-                  </a:solidFill>
-                  <a:latin typeface="+mn-lt"/>
-                  <a:ea typeface="+mn-ea"/>
-                  <a:cs typeface="+mn-cs"/>
-                </a:defRPr>
-              </a:lvl1pPr>
-              <a:lvl2pPr marL="457200" algn="l" defTabSz="914400" rtl="0" eaLnBrk="1" latinLnBrk="0" hangingPunct="1">
-                <a:defRPr sz="1800" kern="1200">
-                  <a:solidFill>
-                    <a:schemeClr val="tx1"/>
-                  </a:solidFill>
-                  <a:latin typeface="+mn-lt"/>
-                  <a:ea typeface="+mn-ea"/>
-                  <a:cs typeface="+mn-cs"/>
-                </a:defRPr>
-              </a:lvl2pPr>
-              <a:lvl3pPr marL="914400" algn="l" defTabSz="914400" rtl="0" eaLnBrk="1" latinLnBrk="0" hangingPunct="1">
-                <a:defRPr sz="1800" kern="1200">
-                  <a:solidFill>
-                    <a:schemeClr val="tx1"/>
-                  </a:solidFill>
-                  <a:latin typeface="+mn-lt"/>
-                  <a:ea typeface="+mn-ea"/>
-                  <a:cs typeface="+mn-cs"/>
-                </a:defRPr>
-              </a:lvl3pPr>
-              <a:lvl4pPr marL="1371600" algn="l" defTabSz="914400" rtl="0" eaLnBrk="1" latinLnBrk="0" hangingPunct="1">
-                <a:defRPr sz="1800" kern="1200">
-                  <a:solidFill>
-                    <a:schemeClr val="tx1"/>
-                  </a:solidFill>
-                  <a:latin typeface="+mn-lt"/>
-                  <a:ea typeface="+mn-ea"/>
-                  <a:cs typeface="+mn-cs"/>
-                </a:defRPr>
-              </a:lvl4pPr>
-              <a:lvl5pPr marL="1828800" algn="l" defTabSz="914400" rtl="0" eaLnBrk="1" latinLnBrk="0" hangingPunct="1">
-                <a:defRPr sz="1800" kern="1200">
-                  <a:solidFill>
-                    <a:schemeClr val="tx1"/>
-                  </a:solidFill>
-                  <a:latin typeface="+mn-lt"/>
-                  <a:ea typeface="+mn-ea"/>
-                  <a:cs typeface="+mn-cs"/>
-                </a:defRPr>
-              </a:lvl5pPr>
-              <a:lvl6pPr marL="2286000" algn="l" defTabSz="914400" rtl="0" eaLnBrk="1" latinLnBrk="0" hangingPunct="1">
-                <a:defRPr sz="1800" kern="1200">
-                  <a:solidFill>
-                    <a:schemeClr val="tx1"/>
-                  </a:solidFill>
-                  <a:latin typeface="+mn-lt"/>
-                  <a:ea typeface="+mn-ea"/>
-                  <a:cs typeface="+mn-cs"/>
-                </a:defRPr>
-              </a:lvl6pPr>
-              <a:lvl7pPr marL="2743200" algn="l" defTabSz="914400" rtl="0" eaLnBrk="1" latinLnBrk="0" hangingPunct="1">
-                <a:defRPr sz="1800" kern="1200">
-                  <a:solidFill>
-                    <a:schemeClr val="tx1"/>
-                  </a:solidFill>
-                  <a:latin typeface="+mn-lt"/>
-                  <a:ea typeface="+mn-ea"/>
-                  <a:cs typeface="+mn-cs"/>
-                </a:defRPr>
-              </a:lvl7pPr>
-              <a:lvl8pPr marL="3200400" algn="l" defTabSz="914400" rtl="0" eaLnBrk="1" latinLnBrk="0" hangingPunct="1">
-                <a:defRPr sz="1800" kern="1200">
-                  <a:solidFill>
-                    <a:schemeClr val="tx1"/>
-                  </a:solidFill>
-                  <a:latin typeface="+mn-lt"/>
-                  <a:ea typeface="+mn-ea"/>
-                  <a:cs typeface="+mn-cs"/>
-                </a:defRPr>
-              </a:lvl8pPr>
-              <a:lvl9pPr marL="3657600" algn="l" defTabSz="914400" rtl="0" eaLnBrk="1" latinLnBrk="0" hangingPunct="1">
-                <a:defRPr sz="1800" kern="1200">
-                  <a:solidFill>
-                    <a:schemeClr val="tx1"/>
-                  </a:solidFill>
-                  <a:latin typeface="+mn-lt"/>
-                  <a:ea typeface="+mn-ea"/>
-                  <a:cs typeface="+mn-cs"/>
-                </a:defRPr>
-              </a:lvl9pPr>
-            </a:lstStyle>
-            <a:p>
-              <a:r>
-                <a:rPr lang="de-DE" dirty="0"/>
-                <a:t>Praktikum Konstruktionslehre WiSe 2018/19</a:t>
-              </a:r>
-            </a:p>
-          </p:txBody>
-        </p:sp>
-        <p:sp>
-          <p:nvSpPr>
-            <p:cNvPr id="10" name="Foliennummernplatzhalter 5">
-              <a:extLst>
-                <a:ext uri="{FF2B5EF4-FFF2-40B4-BE49-F238E27FC236}">
-                  <a16:creationId xmlns:a16="http://schemas.microsoft.com/office/drawing/2014/main" id="{18C3D541-5864-4E49-BB4D-203449164713}"/>
-                </a:ext>
-              </a:extLst>
-            </p:cNvPr>
-            <p:cNvSpPr txBox="1">
-              <a:spLocks/>
-            </p:cNvSpPr>
-            <p:nvPr/>
-          </p:nvSpPr>
-          <p:spPr>
-            <a:xfrm>
-              <a:off x="8610600" y="6356350"/>
-              <a:ext cx="2743200" cy="365125"/>
-            </a:xfrm>
-            <a:prstGeom prst="rect">
-              <a:avLst/>
-            </a:prstGeom>
-          </p:spPr>
-          <p:txBody>
-            <a:bodyPr vert="horz" lIns="91440" tIns="45720" rIns="91440" bIns="45720" rtlCol="0" anchor="ctr"/>
-            <a:lstStyle>
-              <a:defPPr>
-                <a:defRPr lang="de-DE"/>
-              </a:defPPr>
-              <a:lvl1pPr marL="0" algn="r" defTabSz="914400" rtl="0" eaLnBrk="1" latinLnBrk="0" hangingPunct="1">
-                <a:defRPr sz="1200" kern="1200">
-                  <a:solidFill>
-                    <a:schemeClr val="tx1">
-                      <a:tint val="75000"/>
-                    </a:schemeClr>
-                  </a:solidFill>
-                  <a:latin typeface="+mn-lt"/>
-                  <a:ea typeface="+mn-ea"/>
-                  <a:cs typeface="+mn-cs"/>
-                </a:defRPr>
-              </a:lvl1pPr>
-              <a:lvl2pPr marL="457200" algn="l" defTabSz="914400" rtl="0" eaLnBrk="1" latinLnBrk="0" hangingPunct="1">
-                <a:defRPr sz="1800" kern="1200">
-                  <a:solidFill>
-                    <a:schemeClr val="tx1"/>
-                  </a:solidFill>
-                  <a:latin typeface="+mn-lt"/>
-                  <a:ea typeface="+mn-ea"/>
-                  <a:cs typeface="+mn-cs"/>
-                </a:defRPr>
-              </a:lvl2pPr>
-              <a:lvl3pPr marL="914400" algn="l" defTabSz="914400" rtl="0" eaLnBrk="1" latinLnBrk="0" hangingPunct="1">
-                <a:defRPr sz="1800" kern="1200">
-                  <a:solidFill>
-                    <a:schemeClr val="tx1"/>
-                  </a:solidFill>
-                  <a:latin typeface="+mn-lt"/>
-                  <a:ea typeface="+mn-ea"/>
-                  <a:cs typeface="+mn-cs"/>
-                </a:defRPr>
-              </a:lvl3pPr>
-              <a:lvl4pPr marL="1371600" algn="l" defTabSz="914400" rtl="0" eaLnBrk="1" latinLnBrk="0" hangingPunct="1">
-                <a:defRPr sz="1800" kern="1200">
-                  <a:solidFill>
-                    <a:schemeClr val="tx1"/>
-                  </a:solidFill>
-                  <a:latin typeface="+mn-lt"/>
-                  <a:ea typeface="+mn-ea"/>
-                  <a:cs typeface="+mn-cs"/>
-                </a:defRPr>
-              </a:lvl4pPr>
-              <a:lvl5pPr marL="1828800" algn="l" defTabSz="914400" rtl="0" eaLnBrk="1" latinLnBrk="0" hangingPunct="1">
-                <a:defRPr sz="1800" kern="1200">
-                  <a:solidFill>
-                    <a:schemeClr val="tx1"/>
-                  </a:solidFill>
-                  <a:latin typeface="+mn-lt"/>
-                  <a:ea typeface="+mn-ea"/>
-                  <a:cs typeface="+mn-cs"/>
-                </a:defRPr>
-              </a:lvl5pPr>
-              <a:lvl6pPr marL="2286000" algn="l" defTabSz="914400" rtl="0" eaLnBrk="1" latinLnBrk="0" hangingPunct="1">
-                <a:defRPr sz="1800" kern="1200">
-                  <a:solidFill>
-                    <a:schemeClr val="tx1"/>
-                  </a:solidFill>
-                  <a:latin typeface="+mn-lt"/>
-                  <a:ea typeface="+mn-ea"/>
-                  <a:cs typeface="+mn-cs"/>
-                </a:defRPr>
-              </a:lvl6pPr>
-              <a:lvl7pPr marL="2743200" algn="l" defTabSz="914400" rtl="0" eaLnBrk="1" latinLnBrk="0" hangingPunct="1">
-                <a:defRPr sz="1800" kern="1200">
-                  <a:solidFill>
-                    <a:schemeClr val="tx1"/>
-                  </a:solidFill>
-                  <a:latin typeface="+mn-lt"/>
-                  <a:ea typeface="+mn-ea"/>
-                  <a:cs typeface="+mn-cs"/>
-                </a:defRPr>
-              </a:lvl7pPr>
-              <a:lvl8pPr marL="3200400" algn="l" defTabSz="914400" rtl="0" eaLnBrk="1" latinLnBrk="0" hangingPunct="1">
-                <a:defRPr sz="1800" kern="1200">
-                  <a:solidFill>
-                    <a:schemeClr val="tx1"/>
-                  </a:solidFill>
-                  <a:latin typeface="+mn-lt"/>
-                  <a:ea typeface="+mn-ea"/>
-                  <a:cs typeface="+mn-cs"/>
-                </a:defRPr>
-              </a:lvl8pPr>
-              <a:lvl9pPr marL="3657600" algn="l" defTabSz="914400" rtl="0" eaLnBrk="1" latinLnBrk="0" hangingPunct="1">
-                <a:defRPr sz="1800" kern="1200">
-                  <a:solidFill>
-                    <a:schemeClr val="tx1"/>
-                  </a:solidFill>
-                  <a:latin typeface="+mn-lt"/>
-                  <a:ea typeface="+mn-ea"/>
-                  <a:cs typeface="+mn-cs"/>
-                </a:defRPr>
-              </a:lvl9pPr>
-            </a:lstStyle>
-            <a:p>
-              <a:fld id="{75CEC8DD-A46B-4CAA-B4E1-6A1B652C2BF4}" type="slidenum">
-                <a:rPr lang="de-DE" smtClean="0"/>
-                <a:pPr/>
-                <a:t>20</a:t>
-              </a:fld>
-              <a:endParaRPr lang="de-DE"/>
-            </a:p>
-          </p:txBody>
-        </p:sp>
-      </p:grpSp>
-    </p:spTree>
-  </p:cSld>
-  <p:clrMapOvr>
-    <a:masterClrMapping/>
-  </p:clrMapOvr>
-</p:sld>
-</file>
-
-<file path=ppt/slides/slide21.xml><?xml version="1.0" encoding="utf-8"?>
 <p:sld xmlns:a="http://schemas.openxmlformats.org/drawingml/2006/main" xmlns:r="http://schemas.openxmlformats.org/officeDocument/2006/relationships" xmlns:p="http://schemas.openxmlformats.org/presentationml/2006/main">
   <p:cSld>
     <p:spTree>
@@ -24393,7 +23791,7 @@
               <a:fld id="{ABB89C0B-1ABD-444B-925C-4E47B2F277F6}" type="datetimeFigureOut">
                 <a:rPr lang="de-DE" smtClean="0"/>
                 <a:pPr/>
-                <a:t>10.01.2019</a:t>
+                <a:t>24.02.2019</a:t>
               </a:fld>
               <a:endParaRPr lang="de-DE" dirty="0"/>
             </a:p>
@@ -24655,7 +24053,7 @@
               <a:fld id="{75CEC8DD-A46B-4CAA-B4E1-6A1B652C2BF4}" type="slidenum">
                 <a:rPr lang="de-DE" smtClean="0"/>
                 <a:pPr/>
-                <a:t>21</a:t>
+                <a:t>20</a:t>
               </a:fld>
               <a:endParaRPr lang="de-DE"/>
             </a:p>
@@ -24675,7 +24073,7 @@
 </p:sld>
 </file>
 
-<file path=ppt/slides/slide22.xml><?xml version="1.0" encoding="utf-8"?>
+<file path=ppt/slides/slide21.xml><?xml version="1.0" encoding="utf-8"?>
 <p:sld xmlns:a="http://schemas.openxmlformats.org/drawingml/2006/main" xmlns:r="http://schemas.openxmlformats.org/officeDocument/2006/relationships" xmlns:p="http://schemas.openxmlformats.org/presentationml/2006/main">
   <p:cSld>
     <p:spTree>
@@ -25770,7 +25168,7 @@
               <a:fld id="{ABB89C0B-1ABD-444B-925C-4E47B2F277F6}" type="datetimeFigureOut">
                 <a:rPr lang="de-DE" smtClean="0"/>
                 <a:pPr/>
-                <a:t>10.01.2019</a:t>
+                <a:t>24.02.2019</a:t>
               </a:fld>
               <a:endParaRPr lang="de-DE" dirty="0"/>
             </a:p>
@@ -26032,7 +25430,7 @@
               <a:fld id="{75CEC8DD-A46B-4CAA-B4E1-6A1B652C2BF4}" type="slidenum">
                 <a:rPr lang="de-DE" smtClean="0"/>
                 <a:pPr/>
-                <a:t>22</a:t>
+                <a:t>21</a:t>
               </a:fld>
               <a:endParaRPr lang="de-DE"/>
             </a:p>
@@ -26052,7 +25450,7 @@
 </p:sld>
 </file>
 
-<file path=ppt/slides/slide23.xml><?xml version="1.0" encoding="utf-8"?>
+<file path=ppt/slides/slide22.xml><?xml version="1.0" encoding="utf-8"?>
 <p:sld xmlns:a="http://schemas.openxmlformats.org/drawingml/2006/main" xmlns:r="http://schemas.openxmlformats.org/officeDocument/2006/relationships" xmlns:p="http://schemas.openxmlformats.org/presentationml/2006/main">
   <p:cSld>
     <p:spTree>
@@ -26764,7 +26162,7 @@
               <a:fld id="{ABB89C0B-1ABD-444B-925C-4E47B2F277F6}" type="datetimeFigureOut">
                 <a:rPr lang="de-DE" smtClean="0"/>
                 <a:pPr/>
-                <a:t>10.01.2019</a:t>
+                <a:t>24.02.2019</a:t>
               </a:fld>
               <a:endParaRPr lang="de-DE" dirty="0"/>
             </a:p>
@@ -27026,7 +26424,7 @@
               <a:fld id="{75CEC8DD-A46B-4CAA-B4E1-6A1B652C2BF4}" type="slidenum">
                 <a:rPr lang="de-DE" smtClean="0"/>
                 <a:pPr/>
-                <a:t>23</a:t>
+                <a:t>22</a:t>
               </a:fld>
               <a:endParaRPr lang="de-DE"/>
             </a:p>
@@ -27041,7 +26439,7 @@
 </p:sld>
 </file>
 
-<file path=ppt/slides/slide24.xml><?xml version="1.0" encoding="utf-8"?>
+<file path=ppt/slides/slide23.xml><?xml version="1.0" encoding="utf-8"?>
 <p:sld xmlns:a="http://schemas.openxmlformats.org/drawingml/2006/main" xmlns:r="http://schemas.openxmlformats.org/officeDocument/2006/relationships" xmlns:p="http://schemas.openxmlformats.org/presentationml/2006/main">
   <p:cSld>
     <p:spTree>
@@ -27407,7 +26805,7 @@
               <a:fld id="{ABB89C0B-1ABD-444B-925C-4E47B2F277F6}" type="datetimeFigureOut">
                 <a:rPr lang="de-DE" smtClean="0"/>
                 <a:pPr/>
-                <a:t>10.01.2019</a:t>
+                <a:t>24.02.2019</a:t>
               </a:fld>
               <a:endParaRPr lang="de-DE" dirty="0"/>
             </a:p>
@@ -27669,7 +27067,7 @@
               <a:fld id="{75CEC8DD-A46B-4CAA-B4E1-6A1B652C2BF4}" type="slidenum">
                 <a:rPr lang="de-DE" smtClean="0"/>
                 <a:pPr/>
-                <a:t>24</a:t>
+                <a:t>23</a:t>
               </a:fld>
               <a:endParaRPr lang="de-DE"/>
             </a:p>
@@ -27684,7 +27082,7 @@
 </p:sld>
 </file>
 
-<file path=ppt/slides/slide25.xml><?xml version="1.0" encoding="utf-8"?>
+<file path=ppt/slides/slide24.xml><?xml version="1.0" encoding="utf-8"?>
 <p:sld xmlns:a="http://schemas.openxmlformats.org/drawingml/2006/main" xmlns:r="http://schemas.openxmlformats.org/officeDocument/2006/relationships" xmlns:p="http://schemas.openxmlformats.org/presentationml/2006/main">
   <p:cSld>
     <p:spTree>
@@ -27962,7 +27360,7 @@
               <a:fld id="{ABB89C0B-1ABD-444B-925C-4E47B2F277F6}" type="datetimeFigureOut">
                 <a:rPr lang="de-DE" smtClean="0"/>
                 <a:pPr/>
-                <a:t>10.01.2019</a:t>
+                <a:t>24.02.2019</a:t>
               </a:fld>
               <a:endParaRPr lang="de-DE" dirty="0"/>
             </a:p>
@@ -28224,7 +27622,7 @@
               <a:fld id="{75CEC8DD-A46B-4CAA-B4E1-6A1B652C2BF4}" type="slidenum">
                 <a:rPr lang="de-DE" smtClean="0"/>
                 <a:pPr/>
-                <a:t>25</a:t>
+                <a:t>24</a:t>
               </a:fld>
               <a:endParaRPr lang="de-DE"/>
             </a:p>
@@ -28239,7 +27637,7 @@
 </p:sld>
 </file>
 
-<file path=ppt/slides/slide26.xml><?xml version="1.0" encoding="utf-8"?>
+<file path=ppt/slides/slide25.xml><?xml version="1.0" encoding="utf-8"?>
 <p:sld xmlns:a="http://schemas.openxmlformats.org/drawingml/2006/main" xmlns:r="http://schemas.openxmlformats.org/officeDocument/2006/relationships" xmlns:p="http://schemas.openxmlformats.org/presentationml/2006/main">
   <p:cSld>
     <p:spTree>
@@ -28430,7 +27828,7 @@
               <a:fld id="{ABB89C0B-1ABD-444B-925C-4E47B2F277F6}" type="datetimeFigureOut">
                 <a:rPr lang="de-DE" smtClean="0"/>
                 <a:pPr/>
-                <a:t>10.01.2019</a:t>
+                <a:t>24.02.2019</a:t>
               </a:fld>
               <a:endParaRPr lang="de-DE" dirty="0"/>
             </a:p>
@@ -28692,7 +28090,7 @@
               <a:fld id="{75CEC8DD-A46B-4CAA-B4E1-6A1B652C2BF4}" type="slidenum">
                 <a:rPr lang="de-DE" smtClean="0"/>
                 <a:pPr/>
-                <a:t>26</a:t>
+                <a:t>25</a:t>
               </a:fld>
               <a:endParaRPr lang="de-DE"/>
             </a:p>
@@ -29893,7 +29291,7 @@
 </p:sld>
 </file>
 
-<file path=ppt/slides/slide27.xml><?xml version="1.0" encoding="utf-8"?>
+<file path=ppt/slides/slide26.xml><?xml version="1.0" encoding="utf-8"?>
 <p:sld xmlns:a="http://schemas.openxmlformats.org/drawingml/2006/main" xmlns:r="http://schemas.openxmlformats.org/officeDocument/2006/relationships" xmlns:p="http://schemas.openxmlformats.org/presentationml/2006/main">
   <p:cSld>
     <p:spTree>
@@ -30219,7 +29617,7 @@
               <a:fld id="{ABB89C0B-1ABD-444B-925C-4E47B2F277F6}" type="datetimeFigureOut">
                 <a:rPr lang="de-DE" smtClean="0"/>
                 <a:pPr/>
-                <a:t>10.01.2019</a:t>
+                <a:t>24.02.2019</a:t>
               </a:fld>
               <a:endParaRPr lang="de-DE" dirty="0"/>
             </a:p>
@@ -30481,7 +29879,7 @@
               <a:fld id="{75CEC8DD-A46B-4CAA-B4E1-6A1B652C2BF4}" type="slidenum">
                 <a:rPr lang="de-DE" smtClean="0"/>
                 <a:pPr/>
-                <a:t>27</a:t>
+                <a:t>26</a:t>
               </a:fld>
               <a:endParaRPr lang="de-DE"/>
             </a:p>
@@ -31868,7 +31266,7 @@
 </p:sld>
 </file>
 
-<file path=ppt/slides/slide28.xml><?xml version="1.0" encoding="utf-8"?>
+<file path=ppt/slides/slide27.xml><?xml version="1.0" encoding="utf-8"?>
 <p:sld xmlns:a="http://schemas.openxmlformats.org/drawingml/2006/main" xmlns:r="http://schemas.openxmlformats.org/officeDocument/2006/relationships" xmlns:p="http://schemas.openxmlformats.org/presentationml/2006/main">
   <p:cSld>
     <p:spTree>
@@ -32061,7 +31459,7 @@
               <a:fld id="{ABB89C0B-1ABD-444B-925C-4E47B2F277F6}" type="datetimeFigureOut">
                 <a:rPr lang="de-DE" smtClean="0"/>
                 <a:pPr/>
-                <a:t>10.01.2019</a:t>
+                <a:t>24.02.2019</a:t>
               </a:fld>
               <a:endParaRPr lang="de-DE" dirty="0"/>
             </a:p>
@@ -32323,7 +31721,7 @@
               <a:fld id="{75CEC8DD-A46B-4CAA-B4E1-6A1B652C2BF4}" type="slidenum">
                 <a:rPr lang="de-DE" smtClean="0"/>
                 <a:pPr/>
-                <a:t>28</a:t>
+                <a:t>27</a:t>
               </a:fld>
               <a:endParaRPr lang="de-DE"/>
             </a:p>
@@ -32997,7 +32395,7 @@
 </p:sld>
 </file>
 
-<file path=ppt/slides/slide29.xml><?xml version="1.0" encoding="utf-8"?>
+<file path=ppt/slides/slide28.xml><?xml version="1.0" encoding="utf-8"?>
 <p:sld xmlns:a="http://schemas.openxmlformats.org/drawingml/2006/main" xmlns:r="http://schemas.openxmlformats.org/officeDocument/2006/relationships" xmlns:p="http://schemas.openxmlformats.org/presentationml/2006/main">
   <p:cSld>
     <p:spTree>
@@ -33190,7 +32588,7 @@
               <a:fld id="{ABB89C0B-1ABD-444B-925C-4E47B2F277F6}" type="datetimeFigureOut">
                 <a:rPr lang="de-DE" smtClean="0"/>
                 <a:pPr/>
-                <a:t>10.01.2019</a:t>
+                <a:t>24.02.2019</a:t>
               </a:fld>
               <a:endParaRPr lang="de-DE" dirty="0"/>
             </a:p>
@@ -33452,7 +32850,7 @@
               <a:fld id="{75CEC8DD-A46B-4CAA-B4E1-6A1B652C2BF4}" type="slidenum">
                 <a:rPr lang="de-DE" smtClean="0"/>
                 <a:pPr/>
-                <a:t>29</a:t>
+                <a:t>28</a:t>
               </a:fld>
               <a:endParaRPr lang="de-DE"/>
             </a:p>
@@ -33943,6 +33341,649 @@
 </p:sld>
 </file>
 
+<file path=ppt/slides/slide29.xml><?xml version="1.0" encoding="utf-8"?>
+<p:sld xmlns:a="http://schemas.openxmlformats.org/drawingml/2006/main" xmlns:r="http://schemas.openxmlformats.org/officeDocument/2006/relationships" xmlns:p="http://schemas.openxmlformats.org/presentationml/2006/main">
+  <p:cSld>
+    <p:spTree>
+      <p:nvGrpSpPr>
+        <p:cNvPr id="1" name=""/>
+        <p:cNvGrpSpPr/>
+        <p:nvPr/>
+      </p:nvGrpSpPr>
+      <p:grpSpPr>
+        <a:xfrm>
+          <a:off x="0" y="0"/>
+          <a:ext cx="0" cy="0"/>
+          <a:chOff x="0" y="0"/>
+          <a:chExt cx="0" cy="0"/>
+        </a:xfrm>
+      </p:grpSpPr>
+      <p:pic>
+        <p:nvPicPr>
+          <p:cNvPr id="4" name="Grafik 3">
+            <a:extLst>
+              <a:ext uri="{FF2B5EF4-FFF2-40B4-BE49-F238E27FC236}">
+                <a16:creationId xmlns:a16="http://schemas.microsoft.com/office/drawing/2014/main" id="{E38B49ED-1006-4857-A695-55140CE07830}"/>
+              </a:ext>
+            </a:extLst>
+          </p:cNvPr>
+          <p:cNvPicPr>
+            <a:picLocks noChangeAspect="1"/>
+          </p:cNvPicPr>
+          <p:nvPr/>
+        </p:nvPicPr>
+        <p:blipFill>
+          <a:blip r:embed="rId2"/>
+          <a:stretch>
+            <a:fillRect/>
+          </a:stretch>
+        </p:blipFill>
+        <p:spPr>
+          <a:xfrm>
+            <a:off x="257175" y="946423"/>
+            <a:ext cx="11820525" cy="5505450"/>
+          </a:xfrm>
+          <a:prstGeom prst="rect">
+            <a:avLst/>
+          </a:prstGeom>
+        </p:spPr>
+      </p:pic>
+      <p:sp>
+        <p:nvSpPr>
+          <p:cNvPr id="3" name="Ellipse 2">
+            <a:extLst>
+              <a:ext uri="{FF2B5EF4-FFF2-40B4-BE49-F238E27FC236}">
+                <a16:creationId xmlns:a16="http://schemas.microsoft.com/office/drawing/2014/main" id="{32E6B760-3A76-4156-9342-D7D1BFBA3A7F}"/>
+              </a:ext>
+            </a:extLst>
+          </p:cNvPr>
+          <p:cNvSpPr/>
+          <p:nvPr/>
+        </p:nvSpPr>
+        <p:spPr>
+          <a:xfrm>
+            <a:off x="6611858" y="3232998"/>
+            <a:ext cx="1712689" cy="1103086"/>
+          </a:xfrm>
+          <a:custGeom>
+            <a:avLst/>
+            <a:gdLst>
+              <a:gd name="f0" fmla="val 21600000"/>
+              <a:gd name="f1" fmla="val 10800000"/>
+              <a:gd name="f2" fmla="val 5400000"/>
+              <a:gd name="f3" fmla="val 180"/>
+              <a:gd name="f4" fmla="val w"/>
+              <a:gd name="f5" fmla="val h"/>
+              <a:gd name="f6" fmla="val ss"/>
+              <a:gd name="f7" fmla="val 0"/>
+              <a:gd name="f8" fmla="*/ 5419351 1 1725033"/>
+              <a:gd name="f9" fmla="+- 0 0 -360"/>
+              <a:gd name="f10" fmla="+- 0 0 -180"/>
+              <a:gd name="f11" fmla="abs f4"/>
+              <a:gd name="f12" fmla="abs f5"/>
+              <a:gd name="f13" fmla="abs f6"/>
+              <a:gd name="f14" fmla="+- 2700000 f2 0"/>
+              <a:gd name="f15" fmla="*/ f9 f1 1"/>
+              <a:gd name="f16" fmla="*/ f10 f1 1"/>
+              <a:gd name="f17" fmla="?: f11 f4 1"/>
+              <a:gd name="f18" fmla="?: f12 f5 1"/>
+              <a:gd name="f19" fmla="?: f13 f6 1"/>
+              <a:gd name="f20" fmla="+- f14 0 f2"/>
+              <a:gd name="f21" fmla="*/ f15 1 f3"/>
+              <a:gd name="f22" fmla="*/ f16 1 f3"/>
+              <a:gd name="f23" fmla="*/ f17 1 21600"/>
+              <a:gd name="f24" fmla="*/ f18 1 21600"/>
+              <a:gd name="f25" fmla="*/ 21600 f17 1"/>
+              <a:gd name="f26" fmla="*/ 21600 f18 1"/>
+              <a:gd name="f27" fmla="+- f20 f2 0"/>
+              <a:gd name="f28" fmla="+- f21 0 f2"/>
+              <a:gd name="f29" fmla="+- f22 0 f2"/>
+              <a:gd name="f30" fmla="min f24 f23"/>
+              <a:gd name="f31" fmla="*/ f25 1 f19"/>
+              <a:gd name="f32" fmla="*/ f26 1 f19"/>
+              <a:gd name="f33" fmla="*/ f27 f8 1"/>
+              <a:gd name="f34" fmla="val f31"/>
+              <a:gd name="f35" fmla="val f32"/>
+              <a:gd name="f36" fmla="*/ f33 1 f1"/>
+              <a:gd name="f37" fmla="*/ f7 f30 1"/>
+              <a:gd name="f38" fmla="+- f35 0 f7"/>
+              <a:gd name="f39" fmla="+- f34 0 f7"/>
+              <a:gd name="f40" fmla="+- 0 0 f36"/>
+              <a:gd name="f41" fmla="*/ f38 1 2"/>
+              <a:gd name="f42" fmla="*/ f39 1 2"/>
+              <a:gd name="f43" fmla="+- 0 0 f40"/>
+              <a:gd name="f44" fmla="+- f7 f41 0"/>
+              <a:gd name="f45" fmla="+- f7 f42 0"/>
+              <a:gd name="f46" fmla="*/ f43 f1 1"/>
+              <a:gd name="f47" fmla="*/ f42 f30 1"/>
+              <a:gd name="f48" fmla="*/ f41 f30 1"/>
+              <a:gd name="f49" fmla="*/ f46 1 f8"/>
+              <a:gd name="f50" fmla="*/ f44 f30 1"/>
+              <a:gd name="f51" fmla="+- f49 0 f2"/>
+              <a:gd name="f52" fmla="cos 1 f51"/>
+              <a:gd name="f53" fmla="sin 1 f51"/>
+              <a:gd name="f54" fmla="+- 0 0 f52"/>
+              <a:gd name="f55" fmla="+- 0 0 f53"/>
+              <a:gd name="f56" fmla="+- 0 0 f54"/>
+              <a:gd name="f57" fmla="+- 0 0 f55"/>
+              <a:gd name="f58" fmla="val f56"/>
+              <a:gd name="f59" fmla="val f57"/>
+              <a:gd name="f60" fmla="*/ f58 f42 1"/>
+              <a:gd name="f61" fmla="*/ f59 f41 1"/>
+              <a:gd name="f62" fmla="+- f45 0 f60"/>
+              <a:gd name="f63" fmla="+- f45 f60 0"/>
+              <a:gd name="f64" fmla="+- f44 0 f61"/>
+              <a:gd name="f65" fmla="+- f44 f61 0"/>
+              <a:gd name="f66" fmla="*/ f62 f30 1"/>
+              <a:gd name="f67" fmla="*/ f64 f30 1"/>
+              <a:gd name="f68" fmla="*/ f63 f30 1"/>
+              <a:gd name="f69" fmla="*/ f65 f30 1"/>
+            </a:gdLst>
+            <a:ahLst/>
+            <a:cxnLst>
+              <a:cxn ang="3cd4">
+                <a:pos x="hc" y="t"/>
+              </a:cxn>
+              <a:cxn ang="0">
+                <a:pos x="r" y="vc"/>
+              </a:cxn>
+              <a:cxn ang="cd4">
+                <a:pos x="hc" y="b"/>
+              </a:cxn>
+              <a:cxn ang="cd2">
+                <a:pos x="l" y="vc"/>
+              </a:cxn>
+              <a:cxn ang="f28">
+                <a:pos x="f66" y="f67"/>
+              </a:cxn>
+              <a:cxn ang="f29">
+                <a:pos x="f66" y="f69"/>
+              </a:cxn>
+              <a:cxn ang="f29">
+                <a:pos x="f68" y="f69"/>
+              </a:cxn>
+              <a:cxn ang="f28">
+                <a:pos x="f68" y="f67"/>
+              </a:cxn>
+            </a:cxnLst>
+            <a:rect l="f66" t="f67" r="f68" b="f69"/>
+            <a:pathLst>
+              <a:path>
+                <a:moveTo>
+                  <a:pt x="f37" y="f50"/>
+                </a:moveTo>
+                <a:arcTo wR="f47" hR="f48" stAng="f1" swAng="f0"/>
+                <a:close/>
+              </a:path>
+            </a:pathLst>
+          </a:custGeom>
+          <a:noFill/>
+          <a:ln w="38103" cap="flat">
+            <a:solidFill>
+              <a:srgbClr val="FF0000"/>
+            </a:solidFill>
+            <a:prstDash val="solid"/>
+            <a:miter/>
+          </a:ln>
+        </p:spPr>
+        <p:txBody>
+          <a:bodyPr vert="horz" wrap="square" lIns="91440" tIns="45720" rIns="91440" bIns="45720" anchor="ctr" anchorCtr="1" compatLnSpc="1">
+            <a:noAutofit/>
+          </a:bodyPr>
+          <a:lstStyle/>
+          <a:p>
+            <a:pPr marL="0" marR="0" lvl="0" indent="0" algn="ctr" defTabSz="914400" rtl="0" fontAlgn="auto" hangingPunct="1">
+              <a:lnSpc>
+                <a:spcPct val="100000"/>
+              </a:lnSpc>
+              <a:spcBef>
+                <a:spcPts val="0"/>
+              </a:spcBef>
+              <a:spcAft>
+                <a:spcPts val="0"/>
+              </a:spcAft>
+              <a:buNone/>
+              <a:tabLst/>
+              <a:defRPr sz="1800" b="0" i="0" u="none" strike="noStrike" kern="0" cap="none" spc="0" baseline="0">
+                <a:solidFill>
+                  <a:srgbClr val="000000"/>
+                </a:solidFill>
+                <a:uFillTx/>
+              </a:defRPr>
+            </a:pPr>
+            <a:endParaRPr lang="de-DE" sz="1800" b="0" i="0" u="none" strike="noStrike" kern="1200" cap="none" spc="0" baseline="0">
+              <a:solidFill>
+                <a:srgbClr val="FFFFFF"/>
+              </a:solidFill>
+              <a:uFillTx/>
+              <a:latin typeface="Calibri"/>
+            </a:endParaRPr>
+          </a:p>
+        </p:txBody>
+      </p:sp>
+      <p:grpSp>
+        <p:nvGrpSpPr>
+          <p:cNvPr id="8" name="Gruppieren 7">
+            <a:extLst>
+              <a:ext uri="{FF2B5EF4-FFF2-40B4-BE49-F238E27FC236}">
+                <a16:creationId xmlns:a16="http://schemas.microsoft.com/office/drawing/2014/main" id="{9BD8FE70-E0E5-46E7-BF7F-AF50BDE9E1DD}"/>
+              </a:ext>
+            </a:extLst>
+          </p:cNvPr>
+          <p:cNvGrpSpPr/>
+          <p:nvPr/>
+        </p:nvGrpSpPr>
+        <p:grpSpPr>
+          <a:xfrm>
+            <a:off x="838200" y="6356350"/>
+            <a:ext cx="10515600" cy="365125"/>
+            <a:chOff x="838200" y="6356350"/>
+            <a:chExt cx="10515600" cy="365125"/>
+          </a:xfrm>
+        </p:grpSpPr>
+        <p:sp>
+          <p:nvSpPr>
+            <p:cNvPr id="9" name="Datumsplatzhalter 3">
+              <a:extLst>
+                <a:ext uri="{FF2B5EF4-FFF2-40B4-BE49-F238E27FC236}">
+                  <a16:creationId xmlns:a16="http://schemas.microsoft.com/office/drawing/2014/main" id="{1956DE9F-7F3A-4A1F-B8B9-58B7BDFB9BE9}"/>
+                </a:ext>
+              </a:extLst>
+            </p:cNvPr>
+            <p:cNvSpPr txBox="1">
+              <a:spLocks/>
+            </p:cNvSpPr>
+            <p:nvPr/>
+          </p:nvSpPr>
+          <p:spPr>
+            <a:xfrm>
+              <a:off x="838200" y="6356350"/>
+              <a:ext cx="2743200" cy="365125"/>
+            </a:xfrm>
+            <a:prstGeom prst="rect">
+              <a:avLst/>
+            </a:prstGeom>
+          </p:spPr>
+          <p:txBody>
+            <a:bodyPr vert="horz" lIns="91440" tIns="45720" rIns="91440" bIns="45720" rtlCol="0" anchor="ctr"/>
+            <a:lstStyle>
+              <a:defPPr>
+                <a:defRPr lang="de-DE"/>
+              </a:defPPr>
+              <a:lvl1pPr marL="0" algn="l" defTabSz="914400" rtl="0" eaLnBrk="1" latinLnBrk="0" hangingPunct="1">
+                <a:defRPr sz="1200" kern="1200">
+                  <a:solidFill>
+                    <a:schemeClr val="tx1">
+                      <a:tint val="75000"/>
+                    </a:schemeClr>
+                  </a:solidFill>
+                  <a:latin typeface="+mn-lt"/>
+                  <a:ea typeface="+mn-ea"/>
+                  <a:cs typeface="+mn-cs"/>
+                </a:defRPr>
+              </a:lvl1pPr>
+              <a:lvl2pPr marL="457200" algn="l" defTabSz="914400" rtl="0" eaLnBrk="1" latinLnBrk="0" hangingPunct="1">
+                <a:defRPr sz="1800" kern="1200">
+                  <a:solidFill>
+                    <a:schemeClr val="tx1"/>
+                  </a:solidFill>
+                  <a:latin typeface="+mn-lt"/>
+                  <a:ea typeface="+mn-ea"/>
+                  <a:cs typeface="+mn-cs"/>
+                </a:defRPr>
+              </a:lvl2pPr>
+              <a:lvl3pPr marL="914400" algn="l" defTabSz="914400" rtl="0" eaLnBrk="1" latinLnBrk="0" hangingPunct="1">
+                <a:defRPr sz="1800" kern="1200">
+                  <a:solidFill>
+                    <a:schemeClr val="tx1"/>
+                  </a:solidFill>
+                  <a:latin typeface="+mn-lt"/>
+                  <a:ea typeface="+mn-ea"/>
+                  <a:cs typeface="+mn-cs"/>
+                </a:defRPr>
+              </a:lvl3pPr>
+              <a:lvl4pPr marL="1371600" algn="l" defTabSz="914400" rtl="0" eaLnBrk="1" latinLnBrk="0" hangingPunct="1">
+                <a:defRPr sz="1800" kern="1200">
+                  <a:solidFill>
+                    <a:schemeClr val="tx1"/>
+                  </a:solidFill>
+                  <a:latin typeface="+mn-lt"/>
+                  <a:ea typeface="+mn-ea"/>
+                  <a:cs typeface="+mn-cs"/>
+                </a:defRPr>
+              </a:lvl4pPr>
+              <a:lvl5pPr marL="1828800" algn="l" defTabSz="914400" rtl="0" eaLnBrk="1" latinLnBrk="0" hangingPunct="1">
+                <a:defRPr sz="1800" kern="1200">
+                  <a:solidFill>
+                    <a:schemeClr val="tx1"/>
+                  </a:solidFill>
+                  <a:latin typeface="+mn-lt"/>
+                  <a:ea typeface="+mn-ea"/>
+                  <a:cs typeface="+mn-cs"/>
+                </a:defRPr>
+              </a:lvl5pPr>
+              <a:lvl6pPr marL="2286000" algn="l" defTabSz="914400" rtl="0" eaLnBrk="1" latinLnBrk="0" hangingPunct="1">
+                <a:defRPr sz="1800" kern="1200">
+                  <a:solidFill>
+                    <a:schemeClr val="tx1"/>
+                  </a:solidFill>
+                  <a:latin typeface="+mn-lt"/>
+                  <a:ea typeface="+mn-ea"/>
+                  <a:cs typeface="+mn-cs"/>
+                </a:defRPr>
+              </a:lvl6pPr>
+              <a:lvl7pPr marL="2743200" algn="l" defTabSz="914400" rtl="0" eaLnBrk="1" latinLnBrk="0" hangingPunct="1">
+                <a:defRPr sz="1800" kern="1200">
+                  <a:solidFill>
+                    <a:schemeClr val="tx1"/>
+                  </a:solidFill>
+                  <a:latin typeface="+mn-lt"/>
+                  <a:ea typeface="+mn-ea"/>
+                  <a:cs typeface="+mn-cs"/>
+                </a:defRPr>
+              </a:lvl7pPr>
+              <a:lvl8pPr marL="3200400" algn="l" defTabSz="914400" rtl="0" eaLnBrk="1" latinLnBrk="0" hangingPunct="1">
+                <a:defRPr sz="1800" kern="1200">
+                  <a:solidFill>
+                    <a:schemeClr val="tx1"/>
+                  </a:solidFill>
+                  <a:latin typeface="+mn-lt"/>
+                  <a:ea typeface="+mn-ea"/>
+                  <a:cs typeface="+mn-cs"/>
+                </a:defRPr>
+              </a:lvl8pPr>
+              <a:lvl9pPr marL="3657600" algn="l" defTabSz="914400" rtl="0" eaLnBrk="1" latinLnBrk="0" hangingPunct="1">
+                <a:defRPr sz="1800" kern="1200">
+                  <a:solidFill>
+                    <a:schemeClr val="tx1"/>
+                  </a:solidFill>
+                  <a:latin typeface="+mn-lt"/>
+                  <a:ea typeface="+mn-ea"/>
+                  <a:cs typeface="+mn-cs"/>
+                </a:defRPr>
+              </a:lvl9pPr>
+            </a:lstStyle>
+            <a:p>
+              <a:fld id="{ABB89C0B-1ABD-444B-925C-4E47B2F277F6}" type="datetimeFigureOut">
+                <a:rPr lang="de-DE" smtClean="0"/>
+                <a:pPr/>
+                <a:t>24.02.2019</a:t>
+              </a:fld>
+              <a:endParaRPr lang="de-DE" dirty="0"/>
+            </a:p>
+          </p:txBody>
+        </p:sp>
+        <p:sp>
+          <p:nvSpPr>
+            <p:cNvPr id="10" name="Fußzeilenplatzhalter 4">
+              <a:extLst>
+                <a:ext uri="{FF2B5EF4-FFF2-40B4-BE49-F238E27FC236}">
+                  <a16:creationId xmlns:a16="http://schemas.microsoft.com/office/drawing/2014/main" id="{3AF177F0-97E5-45F1-9781-D57529ABBCD0}"/>
+                </a:ext>
+              </a:extLst>
+            </p:cNvPr>
+            <p:cNvSpPr txBox="1">
+              <a:spLocks/>
+            </p:cNvSpPr>
+            <p:nvPr/>
+          </p:nvSpPr>
+          <p:spPr>
+            <a:xfrm>
+              <a:off x="2460858" y="6356350"/>
+              <a:ext cx="6070134" cy="365125"/>
+            </a:xfrm>
+            <a:prstGeom prst="rect">
+              <a:avLst/>
+            </a:prstGeom>
+          </p:spPr>
+          <p:txBody>
+            <a:bodyPr vert="horz" lIns="91440" tIns="45720" rIns="91440" bIns="45720" rtlCol="0" anchor="ctr"/>
+            <a:lstStyle>
+              <a:defPPr>
+                <a:defRPr lang="de-DE"/>
+              </a:defPPr>
+              <a:lvl1pPr marL="0" algn="ctr" defTabSz="914400" rtl="0" eaLnBrk="1" latinLnBrk="0" hangingPunct="1">
+                <a:defRPr sz="1200" kern="1200">
+                  <a:solidFill>
+                    <a:schemeClr val="tx1">
+                      <a:tint val="75000"/>
+                    </a:schemeClr>
+                  </a:solidFill>
+                  <a:latin typeface="+mn-lt"/>
+                  <a:ea typeface="+mn-ea"/>
+                  <a:cs typeface="+mn-cs"/>
+                </a:defRPr>
+              </a:lvl1pPr>
+              <a:lvl2pPr marL="457200" algn="l" defTabSz="914400" rtl="0" eaLnBrk="1" latinLnBrk="0" hangingPunct="1">
+                <a:defRPr sz="1800" kern="1200">
+                  <a:solidFill>
+                    <a:schemeClr val="tx1"/>
+                  </a:solidFill>
+                  <a:latin typeface="+mn-lt"/>
+                  <a:ea typeface="+mn-ea"/>
+                  <a:cs typeface="+mn-cs"/>
+                </a:defRPr>
+              </a:lvl2pPr>
+              <a:lvl3pPr marL="914400" algn="l" defTabSz="914400" rtl="0" eaLnBrk="1" latinLnBrk="0" hangingPunct="1">
+                <a:defRPr sz="1800" kern="1200">
+                  <a:solidFill>
+                    <a:schemeClr val="tx1"/>
+                  </a:solidFill>
+                  <a:latin typeface="+mn-lt"/>
+                  <a:ea typeface="+mn-ea"/>
+                  <a:cs typeface="+mn-cs"/>
+                </a:defRPr>
+              </a:lvl3pPr>
+              <a:lvl4pPr marL="1371600" algn="l" defTabSz="914400" rtl="0" eaLnBrk="1" latinLnBrk="0" hangingPunct="1">
+                <a:defRPr sz="1800" kern="1200">
+                  <a:solidFill>
+                    <a:schemeClr val="tx1"/>
+                  </a:solidFill>
+                  <a:latin typeface="+mn-lt"/>
+                  <a:ea typeface="+mn-ea"/>
+                  <a:cs typeface="+mn-cs"/>
+                </a:defRPr>
+              </a:lvl4pPr>
+              <a:lvl5pPr marL="1828800" algn="l" defTabSz="914400" rtl="0" eaLnBrk="1" latinLnBrk="0" hangingPunct="1">
+                <a:defRPr sz="1800" kern="1200">
+                  <a:solidFill>
+                    <a:schemeClr val="tx1"/>
+                  </a:solidFill>
+                  <a:latin typeface="+mn-lt"/>
+                  <a:ea typeface="+mn-ea"/>
+                  <a:cs typeface="+mn-cs"/>
+                </a:defRPr>
+              </a:lvl5pPr>
+              <a:lvl6pPr marL="2286000" algn="l" defTabSz="914400" rtl="0" eaLnBrk="1" latinLnBrk="0" hangingPunct="1">
+                <a:defRPr sz="1800" kern="1200">
+                  <a:solidFill>
+                    <a:schemeClr val="tx1"/>
+                  </a:solidFill>
+                  <a:latin typeface="+mn-lt"/>
+                  <a:ea typeface="+mn-ea"/>
+                  <a:cs typeface="+mn-cs"/>
+                </a:defRPr>
+              </a:lvl6pPr>
+              <a:lvl7pPr marL="2743200" algn="l" defTabSz="914400" rtl="0" eaLnBrk="1" latinLnBrk="0" hangingPunct="1">
+                <a:defRPr sz="1800" kern="1200">
+                  <a:solidFill>
+                    <a:schemeClr val="tx1"/>
+                  </a:solidFill>
+                  <a:latin typeface="+mn-lt"/>
+                  <a:ea typeface="+mn-ea"/>
+                  <a:cs typeface="+mn-cs"/>
+                </a:defRPr>
+              </a:lvl7pPr>
+              <a:lvl8pPr marL="3200400" algn="l" defTabSz="914400" rtl="0" eaLnBrk="1" latinLnBrk="0" hangingPunct="1">
+                <a:defRPr sz="1800" kern="1200">
+                  <a:solidFill>
+                    <a:schemeClr val="tx1"/>
+                  </a:solidFill>
+                  <a:latin typeface="+mn-lt"/>
+                  <a:ea typeface="+mn-ea"/>
+                  <a:cs typeface="+mn-cs"/>
+                </a:defRPr>
+              </a:lvl8pPr>
+              <a:lvl9pPr marL="3657600" algn="l" defTabSz="914400" rtl="0" eaLnBrk="1" latinLnBrk="0" hangingPunct="1">
+                <a:defRPr sz="1800" kern="1200">
+                  <a:solidFill>
+                    <a:schemeClr val="tx1"/>
+                  </a:solidFill>
+                  <a:latin typeface="+mn-lt"/>
+                  <a:ea typeface="+mn-ea"/>
+                  <a:cs typeface="+mn-cs"/>
+                </a:defRPr>
+              </a:lvl9pPr>
+            </a:lstStyle>
+            <a:p>
+              <a:r>
+                <a:rPr lang="de-DE" dirty="0"/>
+                <a:t>Praktikum Konstruktionslehre WiSe 2018/19</a:t>
+              </a:r>
+            </a:p>
+          </p:txBody>
+        </p:sp>
+        <p:sp>
+          <p:nvSpPr>
+            <p:cNvPr id="11" name="Foliennummernplatzhalter 5">
+              <a:extLst>
+                <a:ext uri="{FF2B5EF4-FFF2-40B4-BE49-F238E27FC236}">
+                  <a16:creationId xmlns:a16="http://schemas.microsoft.com/office/drawing/2014/main" id="{7ABC5F0C-DD0E-4EAE-98CB-651E2FF88068}"/>
+                </a:ext>
+              </a:extLst>
+            </p:cNvPr>
+            <p:cNvSpPr txBox="1">
+              <a:spLocks/>
+            </p:cNvSpPr>
+            <p:nvPr/>
+          </p:nvSpPr>
+          <p:spPr>
+            <a:xfrm>
+              <a:off x="8610600" y="6356350"/>
+              <a:ext cx="2743200" cy="365125"/>
+            </a:xfrm>
+            <a:prstGeom prst="rect">
+              <a:avLst/>
+            </a:prstGeom>
+          </p:spPr>
+          <p:txBody>
+            <a:bodyPr vert="horz" lIns="91440" tIns="45720" rIns="91440" bIns="45720" rtlCol="0" anchor="ctr"/>
+            <a:lstStyle>
+              <a:defPPr>
+                <a:defRPr lang="de-DE"/>
+              </a:defPPr>
+              <a:lvl1pPr marL="0" algn="r" defTabSz="914400" rtl="0" eaLnBrk="1" latinLnBrk="0" hangingPunct="1">
+                <a:defRPr sz="1200" kern="1200">
+                  <a:solidFill>
+                    <a:schemeClr val="tx1">
+                      <a:tint val="75000"/>
+                    </a:schemeClr>
+                  </a:solidFill>
+                  <a:latin typeface="+mn-lt"/>
+                  <a:ea typeface="+mn-ea"/>
+                  <a:cs typeface="+mn-cs"/>
+                </a:defRPr>
+              </a:lvl1pPr>
+              <a:lvl2pPr marL="457200" algn="l" defTabSz="914400" rtl="0" eaLnBrk="1" latinLnBrk="0" hangingPunct="1">
+                <a:defRPr sz="1800" kern="1200">
+                  <a:solidFill>
+                    <a:schemeClr val="tx1"/>
+                  </a:solidFill>
+                  <a:latin typeface="+mn-lt"/>
+                  <a:ea typeface="+mn-ea"/>
+                  <a:cs typeface="+mn-cs"/>
+                </a:defRPr>
+              </a:lvl2pPr>
+              <a:lvl3pPr marL="914400" algn="l" defTabSz="914400" rtl="0" eaLnBrk="1" latinLnBrk="0" hangingPunct="1">
+                <a:defRPr sz="1800" kern="1200">
+                  <a:solidFill>
+                    <a:schemeClr val="tx1"/>
+                  </a:solidFill>
+                  <a:latin typeface="+mn-lt"/>
+                  <a:ea typeface="+mn-ea"/>
+                  <a:cs typeface="+mn-cs"/>
+                </a:defRPr>
+              </a:lvl3pPr>
+              <a:lvl4pPr marL="1371600" algn="l" defTabSz="914400" rtl="0" eaLnBrk="1" latinLnBrk="0" hangingPunct="1">
+                <a:defRPr sz="1800" kern="1200">
+                  <a:solidFill>
+                    <a:schemeClr val="tx1"/>
+                  </a:solidFill>
+                  <a:latin typeface="+mn-lt"/>
+                  <a:ea typeface="+mn-ea"/>
+                  <a:cs typeface="+mn-cs"/>
+                </a:defRPr>
+              </a:lvl4pPr>
+              <a:lvl5pPr marL="1828800" algn="l" defTabSz="914400" rtl="0" eaLnBrk="1" latinLnBrk="0" hangingPunct="1">
+                <a:defRPr sz="1800" kern="1200">
+                  <a:solidFill>
+                    <a:schemeClr val="tx1"/>
+                  </a:solidFill>
+                  <a:latin typeface="+mn-lt"/>
+                  <a:ea typeface="+mn-ea"/>
+                  <a:cs typeface="+mn-cs"/>
+                </a:defRPr>
+              </a:lvl5pPr>
+              <a:lvl6pPr marL="2286000" algn="l" defTabSz="914400" rtl="0" eaLnBrk="1" latinLnBrk="0" hangingPunct="1">
+                <a:defRPr sz="1800" kern="1200">
+                  <a:solidFill>
+                    <a:schemeClr val="tx1"/>
+                  </a:solidFill>
+                  <a:latin typeface="+mn-lt"/>
+                  <a:ea typeface="+mn-ea"/>
+                  <a:cs typeface="+mn-cs"/>
+                </a:defRPr>
+              </a:lvl6pPr>
+              <a:lvl7pPr marL="2743200" algn="l" defTabSz="914400" rtl="0" eaLnBrk="1" latinLnBrk="0" hangingPunct="1">
+                <a:defRPr sz="1800" kern="1200">
+                  <a:solidFill>
+                    <a:schemeClr val="tx1"/>
+                  </a:solidFill>
+                  <a:latin typeface="+mn-lt"/>
+                  <a:ea typeface="+mn-ea"/>
+                  <a:cs typeface="+mn-cs"/>
+                </a:defRPr>
+              </a:lvl7pPr>
+              <a:lvl8pPr marL="3200400" algn="l" defTabSz="914400" rtl="0" eaLnBrk="1" latinLnBrk="0" hangingPunct="1">
+                <a:defRPr sz="1800" kern="1200">
+                  <a:solidFill>
+                    <a:schemeClr val="tx1"/>
+                  </a:solidFill>
+                  <a:latin typeface="+mn-lt"/>
+                  <a:ea typeface="+mn-ea"/>
+                  <a:cs typeface="+mn-cs"/>
+                </a:defRPr>
+              </a:lvl8pPr>
+              <a:lvl9pPr marL="3657600" algn="l" defTabSz="914400" rtl="0" eaLnBrk="1" latinLnBrk="0" hangingPunct="1">
+                <a:defRPr sz="1800" kern="1200">
+                  <a:solidFill>
+                    <a:schemeClr val="tx1"/>
+                  </a:solidFill>
+                  <a:latin typeface="+mn-lt"/>
+                  <a:ea typeface="+mn-ea"/>
+                  <a:cs typeface="+mn-cs"/>
+                </a:defRPr>
+              </a:lvl9pPr>
+            </a:lstStyle>
+            <a:p>
+              <a:fld id="{75CEC8DD-A46B-4CAA-B4E1-6A1B652C2BF4}" type="slidenum">
+                <a:rPr lang="de-DE" smtClean="0"/>
+                <a:pPr/>
+                <a:t>29</a:t>
+              </a:fld>
+              <a:endParaRPr lang="de-DE"/>
+            </a:p>
+          </p:txBody>
+        </p:sp>
+      </p:grpSp>
+    </p:spTree>
+  </p:cSld>
+  <p:clrMapOvr>
+    <a:masterClrMapping/>
+  </p:clrMapOvr>
+</p:sld>
+</file>
+
 <file path=ppt/slides/slide3.xml><?xml version="1.0" encoding="utf-8"?>
 <p:sld xmlns:a="http://schemas.openxmlformats.org/drawingml/2006/main" xmlns:r="http://schemas.openxmlformats.org/officeDocument/2006/relationships" xmlns:p="http://schemas.openxmlformats.org/presentationml/2006/main">
   <p:cSld>
@@ -34379,7 +34420,7 @@
               <a:fld id="{ABB89C0B-1ABD-444B-925C-4E47B2F277F6}" type="datetimeFigureOut">
                 <a:rPr lang="de-DE" smtClean="0"/>
                 <a:pPr/>
-                <a:t>10.01.2019</a:t>
+                <a:t>24.02.2019</a:t>
               </a:fld>
               <a:endParaRPr lang="de-DE" dirty="0"/>
             </a:p>
@@ -34662,649 +34703,6 @@
 </file>
 
 <file path=ppt/slides/slide30.xml><?xml version="1.0" encoding="utf-8"?>
-<p:sld xmlns:a="http://schemas.openxmlformats.org/drawingml/2006/main" xmlns:r="http://schemas.openxmlformats.org/officeDocument/2006/relationships" xmlns:p="http://schemas.openxmlformats.org/presentationml/2006/main">
-  <p:cSld>
-    <p:spTree>
-      <p:nvGrpSpPr>
-        <p:cNvPr id="1" name=""/>
-        <p:cNvGrpSpPr/>
-        <p:nvPr/>
-      </p:nvGrpSpPr>
-      <p:grpSpPr>
-        <a:xfrm>
-          <a:off x="0" y="0"/>
-          <a:ext cx="0" cy="0"/>
-          <a:chOff x="0" y="0"/>
-          <a:chExt cx="0" cy="0"/>
-        </a:xfrm>
-      </p:grpSpPr>
-      <p:pic>
-        <p:nvPicPr>
-          <p:cNvPr id="4" name="Grafik 3">
-            <a:extLst>
-              <a:ext uri="{FF2B5EF4-FFF2-40B4-BE49-F238E27FC236}">
-                <a16:creationId xmlns:a16="http://schemas.microsoft.com/office/drawing/2014/main" id="{E38B49ED-1006-4857-A695-55140CE07830}"/>
-              </a:ext>
-            </a:extLst>
-          </p:cNvPr>
-          <p:cNvPicPr>
-            <a:picLocks noChangeAspect="1"/>
-          </p:cNvPicPr>
-          <p:nvPr/>
-        </p:nvPicPr>
-        <p:blipFill>
-          <a:blip r:embed="rId2"/>
-          <a:stretch>
-            <a:fillRect/>
-          </a:stretch>
-        </p:blipFill>
-        <p:spPr>
-          <a:xfrm>
-            <a:off x="257175" y="946423"/>
-            <a:ext cx="11820525" cy="5505450"/>
-          </a:xfrm>
-          <a:prstGeom prst="rect">
-            <a:avLst/>
-          </a:prstGeom>
-        </p:spPr>
-      </p:pic>
-      <p:sp>
-        <p:nvSpPr>
-          <p:cNvPr id="3" name="Ellipse 2">
-            <a:extLst>
-              <a:ext uri="{FF2B5EF4-FFF2-40B4-BE49-F238E27FC236}">
-                <a16:creationId xmlns:a16="http://schemas.microsoft.com/office/drawing/2014/main" id="{32E6B760-3A76-4156-9342-D7D1BFBA3A7F}"/>
-              </a:ext>
-            </a:extLst>
-          </p:cNvPr>
-          <p:cNvSpPr/>
-          <p:nvPr/>
-        </p:nvSpPr>
-        <p:spPr>
-          <a:xfrm>
-            <a:off x="6611858" y="3232998"/>
-            <a:ext cx="1712689" cy="1103086"/>
-          </a:xfrm>
-          <a:custGeom>
-            <a:avLst/>
-            <a:gdLst>
-              <a:gd name="f0" fmla="val 21600000"/>
-              <a:gd name="f1" fmla="val 10800000"/>
-              <a:gd name="f2" fmla="val 5400000"/>
-              <a:gd name="f3" fmla="val 180"/>
-              <a:gd name="f4" fmla="val w"/>
-              <a:gd name="f5" fmla="val h"/>
-              <a:gd name="f6" fmla="val ss"/>
-              <a:gd name="f7" fmla="val 0"/>
-              <a:gd name="f8" fmla="*/ 5419351 1 1725033"/>
-              <a:gd name="f9" fmla="+- 0 0 -360"/>
-              <a:gd name="f10" fmla="+- 0 0 -180"/>
-              <a:gd name="f11" fmla="abs f4"/>
-              <a:gd name="f12" fmla="abs f5"/>
-              <a:gd name="f13" fmla="abs f6"/>
-              <a:gd name="f14" fmla="+- 2700000 f2 0"/>
-              <a:gd name="f15" fmla="*/ f9 f1 1"/>
-              <a:gd name="f16" fmla="*/ f10 f1 1"/>
-              <a:gd name="f17" fmla="?: f11 f4 1"/>
-              <a:gd name="f18" fmla="?: f12 f5 1"/>
-              <a:gd name="f19" fmla="?: f13 f6 1"/>
-              <a:gd name="f20" fmla="+- f14 0 f2"/>
-              <a:gd name="f21" fmla="*/ f15 1 f3"/>
-              <a:gd name="f22" fmla="*/ f16 1 f3"/>
-              <a:gd name="f23" fmla="*/ f17 1 21600"/>
-              <a:gd name="f24" fmla="*/ f18 1 21600"/>
-              <a:gd name="f25" fmla="*/ 21600 f17 1"/>
-              <a:gd name="f26" fmla="*/ 21600 f18 1"/>
-              <a:gd name="f27" fmla="+- f20 f2 0"/>
-              <a:gd name="f28" fmla="+- f21 0 f2"/>
-              <a:gd name="f29" fmla="+- f22 0 f2"/>
-              <a:gd name="f30" fmla="min f24 f23"/>
-              <a:gd name="f31" fmla="*/ f25 1 f19"/>
-              <a:gd name="f32" fmla="*/ f26 1 f19"/>
-              <a:gd name="f33" fmla="*/ f27 f8 1"/>
-              <a:gd name="f34" fmla="val f31"/>
-              <a:gd name="f35" fmla="val f32"/>
-              <a:gd name="f36" fmla="*/ f33 1 f1"/>
-              <a:gd name="f37" fmla="*/ f7 f30 1"/>
-              <a:gd name="f38" fmla="+- f35 0 f7"/>
-              <a:gd name="f39" fmla="+- f34 0 f7"/>
-              <a:gd name="f40" fmla="+- 0 0 f36"/>
-              <a:gd name="f41" fmla="*/ f38 1 2"/>
-              <a:gd name="f42" fmla="*/ f39 1 2"/>
-              <a:gd name="f43" fmla="+- 0 0 f40"/>
-              <a:gd name="f44" fmla="+- f7 f41 0"/>
-              <a:gd name="f45" fmla="+- f7 f42 0"/>
-              <a:gd name="f46" fmla="*/ f43 f1 1"/>
-              <a:gd name="f47" fmla="*/ f42 f30 1"/>
-              <a:gd name="f48" fmla="*/ f41 f30 1"/>
-              <a:gd name="f49" fmla="*/ f46 1 f8"/>
-              <a:gd name="f50" fmla="*/ f44 f30 1"/>
-              <a:gd name="f51" fmla="+- f49 0 f2"/>
-              <a:gd name="f52" fmla="cos 1 f51"/>
-              <a:gd name="f53" fmla="sin 1 f51"/>
-              <a:gd name="f54" fmla="+- 0 0 f52"/>
-              <a:gd name="f55" fmla="+- 0 0 f53"/>
-              <a:gd name="f56" fmla="+- 0 0 f54"/>
-              <a:gd name="f57" fmla="+- 0 0 f55"/>
-              <a:gd name="f58" fmla="val f56"/>
-              <a:gd name="f59" fmla="val f57"/>
-              <a:gd name="f60" fmla="*/ f58 f42 1"/>
-              <a:gd name="f61" fmla="*/ f59 f41 1"/>
-              <a:gd name="f62" fmla="+- f45 0 f60"/>
-              <a:gd name="f63" fmla="+- f45 f60 0"/>
-              <a:gd name="f64" fmla="+- f44 0 f61"/>
-              <a:gd name="f65" fmla="+- f44 f61 0"/>
-              <a:gd name="f66" fmla="*/ f62 f30 1"/>
-              <a:gd name="f67" fmla="*/ f64 f30 1"/>
-              <a:gd name="f68" fmla="*/ f63 f30 1"/>
-              <a:gd name="f69" fmla="*/ f65 f30 1"/>
-            </a:gdLst>
-            <a:ahLst/>
-            <a:cxnLst>
-              <a:cxn ang="3cd4">
-                <a:pos x="hc" y="t"/>
-              </a:cxn>
-              <a:cxn ang="0">
-                <a:pos x="r" y="vc"/>
-              </a:cxn>
-              <a:cxn ang="cd4">
-                <a:pos x="hc" y="b"/>
-              </a:cxn>
-              <a:cxn ang="cd2">
-                <a:pos x="l" y="vc"/>
-              </a:cxn>
-              <a:cxn ang="f28">
-                <a:pos x="f66" y="f67"/>
-              </a:cxn>
-              <a:cxn ang="f29">
-                <a:pos x="f66" y="f69"/>
-              </a:cxn>
-              <a:cxn ang="f29">
-                <a:pos x="f68" y="f69"/>
-              </a:cxn>
-              <a:cxn ang="f28">
-                <a:pos x="f68" y="f67"/>
-              </a:cxn>
-            </a:cxnLst>
-            <a:rect l="f66" t="f67" r="f68" b="f69"/>
-            <a:pathLst>
-              <a:path>
-                <a:moveTo>
-                  <a:pt x="f37" y="f50"/>
-                </a:moveTo>
-                <a:arcTo wR="f47" hR="f48" stAng="f1" swAng="f0"/>
-                <a:close/>
-              </a:path>
-            </a:pathLst>
-          </a:custGeom>
-          <a:noFill/>
-          <a:ln w="38103" cap="flat">
-            <a:solidFill>
-              <a:srgbClr val="FF0000"/>
-            </a:solidFill>
-            <a:prstDash val="solid"/>
-            <a:miter/>
-          </a:ln>
-        </p:spPr>
-        <p:txBody>
-          <a:bodyPr vert="horz" wrap="square" lIns="91440" tIns="45720" rIns="91440" bIns="45720" anchor="ctr" anchorCtr="1" compatLnSpc="1">
-            <a:noAutofit/>
-          </a:bodyPr>
-          <a:lstStyle/>
-          <a:p>
-            <a:pPr marL="0" marR="0" lvl="0" indent="0" algn="ctr" defTabSz="914400" rtl="0" fontAlgn="auto" hangingPunct="1">
-              <a:lnSpc>
-                <a:spcPct val="100000"/>
-              </a:lnSpc>
-              <a:spcBef>
-                <a:spcPts val="0"/>
-              </a:spcBef>
-              <a:spcAft>
-                <a:spcPts val="0"/>
-              </a:spcAft>
-              <a:buNone/>
-              <a:tabLst/>
-              <a:defRPr sz="1800" b="0" i="0" u="none" strike="noStrike" kern="0" cap="none" spc="0" baseline="0">
-                <a:solidFill>
-                  <a:srgbClr val="000000"/>
-                </a:solidFill>
-                <a:uFillTx/>
-              </a:defRPr>
-            </a:pPr>
-            <a:endParaRPr lang="de-DE" sz="1800" b="0" i="0" u="none" strike="noStrike" kern="1200" cap="none" spc="0" baseline="0">
-              <a:solidFill>
-                <a:srgbClr val="FFFFFF"/>
-              </a:solidFill>
-              <a:uFillTx/>
-              <a:latin typeface="Calibri"/>
-            </a:endParaRPr>
-          </a:p>
-        </p:txBody>
-      </p:sp>
-      <p:grpSp>
-        <p:nvGrpSpPr>
-          <p:cNvPr id="8" name="Gruppieren 7">
-            <a:extLst>
-              <a:ext uri="{FF2B5EF4-FFF2-40B4-BE49-F238E27FC236}">
-                <a16:creationId xmlns:a16="http://schemas.microsoft.com/office/drawing/2014/main" id="{9BD8FE70-E0E5-46E7-BF7F-AF50BDE9E1DD}"/>
-              </a:ext>
-            </a:extLst>
-          </p:cNvPr>
-          <p:cNvGrpSpPr/>
-          <p:nvPr/>
-        </p:nvGrpSpPr>
-        <p:grpSpPr>
-          <a:xfrm>
-            <a:off x="838200" y="6356350"/>
-            <a:ext cx="10515600" cy="365125"/>
-            <a:chOff x="838200" y="6356350"/>
-            <a:chExt cx="10515600" cy="365125"/>
-          </a:xfrm>
-        </p:grpSpPr>
-        <p:sp>
-          <p:nvSpPr>
-            <p:cNvPr id="9" name="Datumsplatzhalter 3">
-              <a:extLst>
-                <a:ext uri="{FF2B5EF4-FFF2-40B4-BE49-F238E27FC236}">
-                  <a16:creationId xmlns:a16="http://schemas.microsoft.com/office/drawing/2014/main" id="{1956DE9F-7F3A-4A1F-B8B9-58B7BDFB9BE9}"/>
-                </a:ext>
-              </a:extLst>
-            </p:cNvPr>
-            <p:cNvSpPr txBox="1">
-              <a:spLocks/>
-            </p:cNvSpPr>
-            <p:nvPr/>
-          </p:nvSpPr>
-          <p:spPr>
-            <a:xfrm>
-              <a:off x="838200" y="6356350"/>
-              <a:ext cx="2743200" cy="365125"/>
-            </a:xfrm>
-            <a:prstGeom prst="rect">
-              <a:avLst/>
-            </a:prstGeom>
-          </p:spPr>
-          <p:txBody>
-            <a:bodyPr vert="horz" lIns="91440" tIns="45720" rIns="91440" bIns="45720" rtlCol="0" anchor="ctr"/>
-            <a:lstStyle>
-              <a:defPPr>
-                <a:defRPr lang="de-DE"/>
-              </a:defPPr>
-              <a:lvl1pPr marL="0" algn="l" defTabSz="914400" rtl="0" eaLnBrk="1" latinLnBrk="0" hangingPunct="1">
-                <a:defRPr sz="1200" kern="1200">
-                  <a:solidFill>
-                    <a:schemeClr val="tx1">
-                      <a:tint val="75000"/>
-                    </a:schemeClr>
-                  </a:solidFill>
-                  <a:latin typeface="+mn-lt"/>
-                  <a:ea typeface="+mn-ea"/>
-                  <a:cs typeface="+mn-cs"/>
-                </a:defRPr>
-              </a:lvl1pPr>
-              <a:lvl2pPr marL="457200" algn="l" defTabSz="914400" rtl="0" eaLnBrk="1" latinLnBrk="0" hangingPunct="1">
-                <a:defRPr sz="1800" kern="1200">
-                  <a:solidFill>
-                    <a:schemeClr val="tx1"/>
-                  </a:solidFill>
-                  <a:latin typeface="+mn-lt"/>
-                  <a:ea typeface="+mn-ea"/>
-                  <a:cs typeface="+mn-cs"/>
-                </a:defRPr>
-              </a:lvl2pPr>
-              <a:lvl3pPr marL="914400" algn="l" defTabSz="914400" rtl="0" eaLnBrk="1" latinLnBrk="0" hangingPunct="1">
-                <a:defRPr sz="1800" kern="1200">
-                  <a:solidFill>
-                    <a:schemeClr val="tx1"/>
-                  </a:solidFill>
-                  <a:latin typeface="+mn-lt"/>
-                  <a:ea typeface="+mn-ea"/>
-                  <a:cs typeface="+mn-cs"/>
-                </a:defRPr>
-              </a:lvl3pPr>
-              <a:lvl4pPr marL="1371600" algn="l" defTabSz="914400" rtl="0" eaLnBrk="1" latinLnBrk="0" hangingPunct="1">
-                <a:defRPr sz="1800" kern="1200">
-                  <a:solidFill>
-                    <a:schemeClr val="tx1"/>
-                  </a:solidFill>
-                  <a:latin typeface="+mn-lt"/>
-                  <a:ea typeface="+mn-ea"/>
-                  <a:cs typeface="+mn-cs"/>
-                </a:defRPr>
-              </a:lvl4pPr>
-              <a:lvl5pPr marL="1828800" algn="l" defTabSz="914400" rtl="0" eaLnBrk="1" latinLnBrk="0" hangingPunct="1">
-                <a:defRPr sz="1800" kern="1200">
-                  <a:solidFill>
-                    <a:schemeClr val="tx1"/>
-                  </a:solidFill>
-                  <a:latin typeface="+mn-lt"/>
-                  <a:ea typeface="+mn-ea"/>
-                  <a:cs typeface="+mn-cs"/>
-                </a:defRPr>
-              </a:lvl5pPr>
-              <a:lvl6pPr marL="2286000" algn="l" defTabSz="914400" rtl="0" eaLnBrk="1" latinLnBrk="0" hangingPunct="1">
-                <a:defRPr sz="1800" kern="1200">
-                  <a:solidFill>
-                    <a:schemeClr val="tx1"/>
-                  </a:solidFill>
-                  <a:latin typeface="+mn-lt"/>
-                  <a:ea typeface="+mn-ea"/>
-                  <a:cs typeface="+mn-cs"/>
-                </a:defRPr>
-              </a:lvl6pPr>
-              <a:lvl7pPr marL="2743200" algn="l" defTabSz="914400" rtl="0" eaLnBrk="1" latinLnBrk="0" hangingPunct="1">
-                <a:defRPr sz="1800" kern="1200">
-                  <a:solidFill>
-                    <a:schemeClr val="tx1"/>
-                  </a:solidFill>
-                  <a:latin typeface="+mn-lt"/>
-                  <a:ea typeface="+mn-ea"/>
-                  <a:cs typeface="+mn-cs"/>
-                </a:defRPr>
-              </a:lvl7pPr>
-              <a:lvl8pPr marL="3200400" algn="l" defTabSz="914400" rtl="0" eaLnBrk="1" latinLnBrk="0" hangingPunct="1">
-                <a:defRPr sz="1800" kern="1200">
-                  <a:solidFill>
-                    <a:schemeClr val="tx1"/>
-                  </a:solidFill>
-                  <a:latin typeface="+mn-lt"/>
-                  <a:ea typeface="+mn-ea"/>
-                  <a:cs typeface="+mn-cs"/>
-                </a:defRPr>
-              </a:lvl8pPr>
-              <a:lvl9pPr marL="3657600" algn="l" defTabSz="914400" rtl="0" eaLnBrk="1" latinLnBrk="0" hangingPunct="1">
-                <a:defRPr sz="1800" kern="1200">
-                  <a:solidFill>
-                    <a:schemeClr val="tx1"/>
-                  </a:solidFill>
-                  <a:latin typeface="+mn-lt"/>
-                  <a:ea typeface="+mn-ea"/>
-                  <a:cs typeface="+mn-cs"/>
-                </a:defRPr>
-              </a:lvl9pPr>
-            </a:lstStyle>
-            <a:p>
-              <a:fld id="{ABB89C0B-1ABD-444B-925C-4E47B2F277F6}" type="datetimeFigureOut">
-                <a:rPr lang="de-DE" smtClean="0"/>
-                <a:pPr/>
-                <a:t>10.01.2019</a:t>
-              </a:fld>
-              <a:endParaRPr lang="de-DE" dirty="0"/>
-            </a:p>
-          </p:txBody>
-        </p:sp>
-        <p:sp>
-          <p:nvSpPr>
-            <p:cNvPr id="10" name="Fußzeilenplatzhalter 4">
-              <a:extLst>
-                <a:ext uri="{FF2B5EF4-FFF2-40B4-BE49-F238E27FC236}">
-                  <a16:creationId xmlns:a16="http://schemas.microsoft.com/office/drawing/2014/main" id="{3AF177F0-97E5-45F1-9781-D57529ABBCD0}"/>
-                </a:ext>
-              </a:extLst>
-            </p:cNvPr>
-            <p:cNvSpPr txBox="1">
-              <a:spLocks/>
-            </p:cNvSpPr>
-            <p:nvPr/>
-          </p:nvSpPr>
-          <p:spPr>
-            <a:xfrm>
-              <a:off x="2460858" y="6356350"/>
-              <a:ext cx="6070134" cy="365125"/>
-            </a:xfrm>
-            <a:prstGeom prst="rect">
-              <a:avLst/>
-            </a:prstGeom>
-          </p:spPr>
-          <p:txBody>
-            <a:bodyPr vert="horz" lIns="91440" tIns="45720" rIns="91440" bIns="45720" rtlCol="0" anchor="ctr"/>
-            <a:lstStyle>
-              <a:defPPr>
-                <a:defRPr lang="de-DE"/>
-              </a:defPPr>
-              <a:lvl1pPr marL="0" algn="ctr" defTabSz="914400" rtl="0" eaLnBrk="1" latinLnBrk="0" hangingPunct="1">
-                <a:defRPr sz="1200" kern="1200">
-                  <a:solidFill>
-                    <a:schemeClr val="tx1">
-                      <a:tint val="75000"/>
-                    </a:schemeClr>
-                  </a:solidFill>
-                  <a:latin typeface="+mn-lt"/>
-                  <a:ea typeface="+mn-ea"/>
-                  <a:cs typeface="+mn-cs"/>
-                </a:defRPr>
-              </a:lvl1pPr>
-              <a:lvl2pPr marL="457200" algn="l" defTabSz="914400" rtl="0" eaLnBrk="1" latinLnBrk="0" hangingPunct="1">
-                <a:defRPr sz="1800" kern="1200">
-                  <a:solidFill>
-                    <a:schemeClr val="tx1"/>
-                  </a:solidFill>
-                  <a:latin typeface="+mn-lt"/>
-                  <a:ea typeface="+mn-ea"/>
-                  <a:cs typeface="+mn-cs"/>
-                </a:defRPr>
-              </a:lvl2pPr>
-              <a:lvl3pPr marL="914400" algn="l" defTabSz="914400" rtl="0" eaLnBrk="1" latinLnBrk="0" hangingPunct="1">
-                <a:defRPr sz="1800" kern="1200">
-                  <a:solidFill>
-                    <a:schemeClr val="tx1"/>
-                  </a:solidFill>
-                  <a:latin typeface="+mn-lt"/>
-                  <a:ea typeface="+mn-ea"/>
-                  <a:cs typeface="+mn-cs"/>
-                </a:defRPr>
-              </a:lvl3pPr>
-              <a:lvl4pPr marL="1371600" algn="l" defTabSz="914400" rtl="0" eaLnBrk="1" latinLnBrk="0" hangingPunct="1">
-                <a:defRPr sz="1800" kern="1200">
-                  <a:solidFill>
-                    <a:schemeClr val="tx1"/>
-                  </a:solidFill>
-                  <a:latin typeface="+mn-lt"/>
-                  <a:ea typeface="+mn-ea"/>
-                  <a:cs typeface="+mn-cs"/>
-                </a:defRPr>
-              </a:lvl4pPr>
-              <a:lvl5pPr marL="1828800" algn="l" defTabSz="914400" rtl="0" eaLnBrk="1" latinLnBrk="0" hangingPunct="1">
-                <a:defRPr sz="1800" kern="1200">
-                  <a:solidFill>
-                    <a:schemeClr val="tx1"/>
-                  </a:solidFill>
-                  <a:latin typeface="+mn-lt"/>
-                  <a:ea typeface="+mn-ea"/>
-                  <a:cs typeface="+mn-cs"/>
-                </a:defRPr>
-              </a:lvl5pPr>
-              <a:lvl6pPr marL="2286000" algn="l" defTabSz="914400" rtl="0" eaLnBrk="1" latinLnBrk="0" hangingPunct="1">
-                <a:defRPr sz="1800" kern="1200">
-                  <a:solidFill>
-                    <a:schemeClr val="tx1"/>
-                  </a:solidFill>
-                  <a:latin typeface="+mn-lt"/>
-                  <a:ea typeface="+mn-ea"/>
-                  <a:cs typeface="+mn-cs"/>
-                </a:defRPr>
-              </a:lvl6pPr>
-              <a:lvl7pPr marL="2743200" algn="l" defTabSz="914400" rtl="0" eaLnBrk="1" latinLnBrk="0" hangingPunct="1">
-                <a:defRPr sz="1800" kern="1200">
-                  <a:solidFill>
-                    <a:schemeClr val="tx1"/>
-                  </a:solidFill>
-                  <a:latin typeface="+mn-lt"/>
-                  <a:ea typeface="+mn-ea"/>
-                  <a:cs typeface="+mn-cs"/>
-                </a:defRPr>
-              </a:lvl7pPr>
-              <a:lvl8pPr marL="3200400" algn="l" defTabSz="914400" rtl="0" eaLnBrk="1" latinLnBrk="0" hangingPunct="1">
-                <a:defRPr sz="1800" kern="1200">
-                  <a:solidFill>
-                    <a:schemeClr val="tx1"/>
-                  </a:solidFill>
-                  <a:latin typeface="+mn-lt"/>
-                  <a:ea typeface="+mn-ea"/>
-                  <a:cs typeface="+mn-cs"/>
-                </a:defRPr>
-              </a:lvl8pPr>
-              <a:lvl9pPr marL="3657600" algn="l" defTabSz="914400" rtl="0" eaLnBrk="1" latinLnBrk="0" hangingPunct="1">
-                <a:defRPr sz="1800" kern="1200">
-                  <a:solidFill>
-                    <a:schemeClr val="tx1"/>
-                  </a:solidFill>
-                  <a:latin typeface="+mn-lt"/>
-                  <a:ea typeface="+mn-ea"/>
-                  <a:cs typeface="+mn-cs"/>
-                </a:defRPr>
-              </a:lvl9pPr>
-            </a:lstStyle>
-            <a:p>
-              <a:r>
-                <a:rPr lang="de-DE" dirty="0"/>
-                <a:t>Praktikum Konstruktionslehre WiSe 2018/19</a:t>
-              </a:r>
-            </a:p>
-          </p:txBody>
-        </p:sp>
-        <p:sp>
-          <p:nvSpPr>
-            <p:cNvPr id="11" name="Foliennummernplatzhalter 5">
-              <a:extLst>
-                <a:ext uri="{FF2B5EF4-FFF2-40B4-BE49-F238E27FC236}">
-                  <a16:creationId xmlns:a16="http://schemas.microsoft.com/office/drawing/2014/main" id="{7ABC5F0C-DD0E-4EAE-98CB-651E2FF88068}"/>
-                </a:ext>
-              </a:extLst>
-            </p:cNvPr>
-            <p:cNvSpPr txBox="1">
-              <a:spLocks/>
-            </p:cNvSpPr>
-            <p:nvPr/>
-          </p:nvSpPr>
-          <p:spPr>
-            <a:xfrm>
-              <a:off x="8610600" y="6356350"/>
-              <a:ext cx="2743200" cy="365125"/>
-            </a:xfrm>
-            <a:prstGeom prst="rect">
-              <a:avLst/>
-            </a:prstGeom>
-          </p:spPr>
-          <p:txBody>
-            <a:bodyPr vert="horz" lIns="91440" tIns="45720" rIns="91440" bIns="45720" rtlCol="0" anchor="ctr"/>
-            <a:lstStyle>
-              <a:defPPr>
-                <a:defRPr lang="de-DE"/>
-              </a:defPPr>
-              <a:lvl1pPr marL="0" algn="r" defTabSz="914400" rtl="0" eaLnBrk="1" latinLnBrk="0" hangingPunct="1">
-                <a:defRPr sz="1200" kern="1200">
-                  <a:solidFill>
-                    <a:schemeClr val="tx1">
-                      <a:tint val="75000"/>
-                    </a:schemeClr>
-                  </a:solidFill>
-                  <a:latin typeface="+mn-lt"/>
-                  <a:ea typeface="+mn-ea"/>
-                  <a:cs typeface="+mn-cs"/>
-                </a:defRPr>
-              </a:lvl1pPr>
-              <a:lvl2pPr marL="457200" algn="l" defTabSz="914400" rtl="0" eaLnBrk="1" latinLnBrk="0" hangingPunct="1">
-                <a:defRPr sz="1800" kern="1200">
-                  <a:solidFill>
-                    <a:schemeClr val="tx1"/>
-                  </a:solidFill>
-                  <a:latin typeface="+mn-lt"/>
-                  <a:ea typeface="+mn-ea"/>
-                  <a:cs typeface="+mn-cs"/>
-                </a:defRPr>
-              </a:lvl2pPr>
-              <a:lvl3pPr marL="914400" algn="l" defTabSz="914400" rtl="0" eaLnBrk="1" latinLnBrk="0" hangingPunct="1">
-                <a:defRPr sz="1800" kern="1200">
-                  <a:solidFill>
-                    <a:schemeClr val="tx1"/>
-                  </a:solidFill>
-                  <a:latin typeface="+mn-lt"/>
-                  <a:ea typeface="+mn-ea"/>
-                  <a:cs typeface="+mn-cs"/>
-                </a:defRPr>
-              </a:lvl3pPr>
-              <a:lvl4pPr marL="1371600" algn="l" defTabSz="914400" rtl="0" eaLnBrk="1" latinLnBrk="0" hangingPunct="1">
-                <a:defRPr sz="1800" kern="1200">
-                  <a:solidFill>
-                    <a:schemeClr val="tx1"/>
-                  </a:solidFill>
-                  <a:latin typeface="+mn-lt"/>
-                  <a:ea typeface="+mn-ea"/>
-                  <a:cs typeface="+mn-cs"/>
-                </a:defRPr>
-              </a:lvl4pPr>
-              <a:lvl5pPr marL="1828800" algn="l" defTabSz="914400" rtl="0" eaLnBrk="1" latinLnBrk="0" hangingPunct="1">
-                <a:defRPr sz="1800" kern="1200">
-                  <a:solidFill>
-                    <a:schemeClr val="tx1"/>
-                  </a:solidFill>
-                  <a:latin typeface="+mn-lt"/>
-                  <a:ea typeface="+mn-ea"/>
-                  <a:cs typeface="+mn-cs"/>
-                </a:defRPr>
-              </a:lvl5pPr>
-              <a:lvl6pPr marL="2286000" algn="l" defTabSz="914400" rtl="0" eaLnBrk="1" latinLnBrk="0" hangingPunct="1">
-                <a:defRPr sz="1800" kern="1200">
-                  <a:solidFill>
-                    <a:schemeClr val="tx1"/>
-                  </a:solidFill>
-                  <a:latin typeface="+mn-lt"/>
-                  <a:ea typeface="+mn-ea"/>
-                  <a:cs typeface="+mn-cs"/>
-                </a:defRPr>
-              </a:lvl6pPr>
-              <a:lvl7pPr marL="2743200" algn="l" defTabSz="914400" rtl="0" eaLnBrk="1" latinLnBrk="0" hangingPunct="1">
-                <a:defRPr sz="1800" kern="1200">
-                  <a:solidFill>
-                    <a:schemeClr val="tx1"/>
-                  </a:solidFill>
-                  <a:latin typeface="+mn-lt"/>
-                  <a:ea typeface="+mn-ea"/>
-                  <a:cs typeface="+mn-cs"/>
-                </a:defRPr>
-              </a:lvl7pPr>
-              <a:lvl8pPr marL="3200400" algn="l" defTabSz="914400" rtl="0" eaLnBrk="1" latinLnBrk="0" hangingPunct="1">
-                <a:defRPr sz="1800" kern="1200">
-                  <a:solidFill>
-                    <a:schemeClr val="tx1"/>
-                  </a:solidFill>
-                  <a:latin typeface="+mn-lt"/>
-                  <a:ea typeface="+mn-ea"/>
-                  <a:cs typeface="+mn-cs"/>
-                </a:defRPr>
-              </a:lvl8pPr>
-              <a:lvl9pPr marL="3657600" algn="l" defTabSz="914400" rtl="0" eaLnBrk="1" latinLnBrk="0" hangingPunct="1">
-                <a:defRPr sz="1800" kern="1200">
-                  <a:solidFill>
-                    <a:schemeClr val="tx1"/>
-                  </a:solidFill>
-                  <a:latin typeface="+mn-lt"/>
-                  <a:ea typeface="+mn-ea"/>
-                  <a:cs typeface="+mn-cs"/>
-                </a:defRPr>
-              </a:lvl9pPr>
-            </a:lstStyle>
-            <a:p>
-              <a:fld id="{75CEC8DD-A46B-4CAA-B4E1-6A1B652C2BF4}" type="slidenum">
-                <a:rPr lang="de-DE" smtClean="0"/>
-                <a:pPr/>
-                <a:t>30</a:t>
-              </a:fld>
-              <a:endParaRPr lang="de-DE"/>
-            </a:p>
-          </p:txBody>
-        </p:sp>
-      </p:grpSp>
-    </p:spTree>
-  </p:cSld>
-  <p:clrMapOvr>
-    <a:masterClrMapping/>
-  </p:clrMapOvr>
-</p:sld>
-</file>
-
-<file path=ppt/slides/slide31.xml><?xml version="1.0" encoding="utf-8"?>
 <p:sld xmlns:a="http://schemas.openxmlformats.org/drawingml/2006/main" xmlns:r="http://schemas.openxmlformats.org/officeDocument/2006/relationships" xmlns:p="http://schemas.openxmlformats.org/presentationml/2006/main">
   <p:cSld>
     <p:spTree>
@@ -35607,7 +35005,7 @@
               <a:fld id="{ABB89C0B-1ABD-444B-925C-4E47B2F277F6}" type="datetimeFigureOut">
                 <a:rPr lang="de-DE" smtClean="0"/>
                 <a:pPr/>
-                <a:t>10.01.2019</a:t>
+                <a:t>24.02.2019</a:t>
               </a:fld>
               <a:endParaRPr lang="de-DE" dirty="0"/>
             </a:p>
@@ -35869,7 +35267,7 @@
               <a:fld id="{75CEC8DD-A46B-4CAA-B4E1-6A1B652C2BF4}" type="slidenum">
                 <a:rPr lang="de-DE" smtClean="0"/>
                 <a:pPr/>
-                <a:t>31</a:t>
+                <a:t>30</a:t>
               </a:fld>
               <a:endParaRPr lang="de-DE"/>
             </a:p>
@@ -35884,7 +35282,7 @@
 </p:sld>
 </file>
 
-<file path=ppt/slides/slide32.xml><?xml version="1.0" encoding="utf-8"?>
+<file path=ppt/slides/slide31.xml><?xml version="1.0" encoding="utf-8"?>
 <p:sld xmlns:a="http://schemas.openxmlformats.org/drawingml/2006/main" xmlns:r="http://schemas.openxmlformats.org/officeDocument/2006/relationships" xmlns:p="http://schemas.openxmlformats.org/presentationml/2006/main">
   <p:cSld>
     <p:spTree>
@@ -36250,7 +35648,7 @@
               <a:fld id="{ABB89C0B-1ABD-444B-925C-4E47B2F277F6}" type="datetimeFigureOut">
                 <a:rPr lang="de-DE" smtClean="0"/>
                 <a:pPr/>
-                <a:t>10.01.2019</a:t>
+                <a:t>24.02.2019</a:t>
               </a:fld>
               <a:endParaRPr lang="de-DE" dirty="0"/>
             </a:p>
@@ -36512,7 +35910,7 @@
               <a:fld id="{75CEC8DD-A46B-4CAA-B4E1-6A1B652C2BF4}" type="slidenum">
                 <a:rPr lang="de-DE" smtClean="0"/>
                 <a:pPr/>
-                <a:t>32</a:t>
+                <a:t>31</a:t>
               </a:fld>
               <a:endParaRPr lang="de-DE"/>
             </a:p>
@@ -36527,7 +35925,7 @@
 </p:sld>
 </file>
 
-<file path=ppt/slides/slide33.xml><?xml version="1.0" encoding="utf-8"?>
+<file path=ppt/slides/slide32.xml><?xml version="1.0" encoding="utf-8"?>
 <p:sld xmlns:a="http://schemas.openxmlformats.org/drawingml/2006/main" xmlns:r="http://schemas.openxmlformats.org/officeDocument/2006/relationships" xmlns:p="http://schemas.openxmlformats.org/presentationml/2006/main">
   <p:cSld>
     <p:spTree>
@@ -36604,28 +36002,18 @@
             <a:pPr lvl="1"/>
             <a:r>
               <a:rPr lang="de-DE" dirty="0"/>
-              <a:t>Anforderungen werden alle nochmals überprüft</a:t>
+              <a:t>Anforderungen überprüfen</a:t>
             </a:r>
           </a:p>
           <a:p>
             <a:pPr lvl="1"/>
             <a:r>
-              <a:rPr lang="de-DE" dirty="0"/>
-              <a:t>Während der Testphase können Änderungen vorgenommen werden, da Tonne nicht fest im Boden verankert</a:t>
+              <a:rPr lang="de-DE" dirty="0" err="1"/>
+              <a:t>Social</a:t>
             </a:r>
-          </a:p>
-          <a:p>
-            <a:pPr lvl="1"/>
             <a:r>
               <a:rPr lang="de-DE" dirty="0"/>
-              <a:t>Facebookseite etc. für Rezensionen erstellen</a:t>
-            </a:r>
-          </a:p>
-          <a:p>
-            <a:pPr lvl="1"/>
-            <a:r>
-              <a:rPr lang="de-DE" dirty="0"/>
-              <a:t>User Feedback</a:t>
+              <a:t> Media für User Feedback</a:t>
             </a:r>
           </a:p>
           <a:p>
@@ -36639,7 +36027,7 @@
             <a:pPr lvl="1"/>
             <a:r>
               <a:rPr lang="de-DE" dirty="0"/>
-              <a:t>Bereits durchgeführte ausgewählte Tests</a:t>
+              <a:t>Validierung durch ausgewählte Tests</a:t>
             </a:r>
           </a:p>
           <a:p>
@@ -36804,7 +36192,7 @@
               <a:fld id="{ABB89C0B-1ABD-444B-925C-4E47B2F277F6}" type="datetimeFigureOut">
                 <a:rPr lang="de-DE" smtClean="0"/>
                 <a:pPr/>
-                <a:t>10.01.2019</a:t>
+                <a:t>24.02.2019</a:t>
               </a:fld>
               <a:endParaRPr lang="de-DE" dirty="0"/>
             </a:p>
@@ -37066,7 +36454,7 @@
               <a:fld id="{75CEC8DD-A46B-4CAA-B4E1-6A1B652C2BF4}" type="slidenum">
                 <a:rPr lang="de-DE" smtClean="0"/>
                 <a:pPr/>
-                <a:t>33</a:t>
+                <a:t>32</a:t>
               </a:fld>
               <a:endParaRPr lang="de-DE"/>
             </a:p>
@@ -37081,7 +36469,7 @@
 </p:sld>
 </file>
 
-<file path=ppt/slides/slide34.xml><?xml version="1.0" encoding="utf-8"?>
+<file path=ppt/slides/slide33.xml><?xml version="1.0" encoding="utf-8"?>
 <p:sld xmlns:a="http://schemas.openxmlformats.org/drawingml/2006/main" xmlns:r="http://schemas.openxmlformats.org/officeDocument/2006/relationships" xmlns:p="http://schemas.openxmlformats.org/presentationml/2006/main">
   <p:cSld>
     <p:spTree>
@@ -37297,7 +36685,7 @@
               <a:fld id="{ABB89C0B-1ABD-444B-925C-4E47B2F277F6}" type="datetimeFigureOut">
                 <a:rPr lang="de-DE" smtClean="0"/>
                 <a:pPr/>
-                <a:t>10.01.2019</a:t>
+                <a:t>24.02.2019</a:t>
               </a:fld>
               <a:endParaRPr lang="de-DE" dirty="0"/>
             </a:p>
@@ -37559,7 +36947,7 @@
               <a:fld id="{75CEC8DD-A46B-4CAA-B4E1-6A1B652C2BF4}" type="slidenum">
                 <a:rPr lang="de-DE" smtClean="0"/>
                 <a:pPr/>
-                <a:t>34</a:t>
+                <a:t>33</a:t>
               </a:fld>
               <a:endParaRPr lang="de-DE"/>
             </a:p>
@@ -37579,7 +36967,7 @@
 </p:sld>
 </file>
 
-<file path=ppt/slides/slide35.xml><?xml version="1.0" encoding="utf-8"?>
+<file path=ppt/slides/slide34.xml><?xml version="1.0" encoding="utf-8"?>
 <p:sld xmlns:a="http://schemas.openxmlformats.org/drawingml/2006/main" xmlns:r="http://schemas.openxmlformats.org/officeDocument/2006/relationships" xmlns:p="http://schemas.openxmlformats.org/presentationml/2006/main">
   <p:cSld>
     <p:spTree>
@@ -37795,7 +37183,7 @@
               <a:fld id="{ABB89C0B-1ABD-444B-925C-4E47B2F277F6}" type="datetimeFigureOut">
                 <a:rPr lang="de-DE" smtClean="0"/>
                 <a:pPr/>
-                <a:t>10.01.2019</a:t>
+                <a:t>24.02.2019</a:t>
               </a:fld>
               <a:endParaRPr lang="de-DE" dirty="0"/>
             </a:p>
@@ -38057,7 +37445,7 @@
               <a:fld id="{75CEC8DD-A46B-4CAA-B4E1-6A1B652C2BF4}" type="slidenum">
                 <a:rPr lang="de-DE" smtClean="0"/>
                 <a:pPr/>
-                <a:t>35</a:t>
+                <a:t>34</a:t>
               </a:fld>
               <a:endParaRPr lang="de-DE"/>
             </a:p>
@@ -38077,7 +37465,7 @@
 </p:sld>
 </file>
 
-<file path=ppt/slides/slide36.xml><?xml version="1.0" encoding="utf-8"?>
+<file path=ppt/slides/slide35.xml><?xml version="1.0" encoding="utf-8"?>
 <p:sld xmlns:a="http://schemas.openxmlformats.org/drawingml/2006/main" xmlns:r="http://schemas.openxmlformats.org/officeDocument/2006/relationships" xmlns:p="http://schemas.openxmlformats.org/presentationml/2006/main">
   <p:cSld>
     <p:spTree>
@@ -38240,7 +37628,7 @@
               <a:fld id="{ABB89C0B-1ABD-444B-925C-4E47B2F277F6}" type="datetimeFigureOut">
                 <a:rPr lang="de-DE" smtClean="0"/>
                 <a:pPr/>
-                <a:t>10.01.2019</a:t>
+                <a:t>24.02.2019</a:t>
               </a:fld>
               <a:endParaRPr lang="de-DE" dirty="0"/>
             </a:p>
@@ -38502,7 +37890,7 @@
               <a:fld id="{75CEC8DD-A46B-4CAA-B4E1-6A1B652C2BF4}" type="slidenum">
                 <a:rPr lang="de-DE" smtClean="0"/>
                 <a:pPr/>
-                <a:t>36</a:t>
+                <a:t>35</a:t>
               </a:fld>
               <a:endParaRPr lang="de-DE"/>
             </a:p>
@@ -38916,7 +38304,7 @@
               <a:fld id="{ABB89C0B-1ABD-444B-925C-4E47B2F277F6}" type="datetimeFigureOut">
                 <a:rPr lang="de-DE" smtClean="0"/>
                 <a:pPr/>
-                <a:t>10.01.2019</a:t>
+                <a:t>24.02.2019</a:t>
               </a:fld>
               <a:endParaRPr lang="de-DE" dirty="0"/>
             </a:p>
@@ -39487,7 +38875,7 @@
               <a:fld id="{ABB89C0B-1ABD-444B-925C-4E47B2F277F6}" type="datetimeFigureOut">
                 <a:rPr lang="de-DE" smtClean="0"/>
                 <a:pPr/>
-                <a:t>10.01.2019</a:t>
+                <a:t>24.02.2019</a:t>
               </a:fld>
               <a:endParaRPr lang="de-DE" dirty="0"/>
             </a:p>
@@ -40190,7 +39578,7 @@
               <a:fld id="{ABB89C0B-1ABD-444B-925C-4E47B2F277F6}" type="datetimeFigureOut">
                 <a:rPr lang="de-DE" smtClean="0"/>
                 <a:pPr/>
-                <a:t>10.01.2019</a:t>
+                <a:t>24.02.2019</a:t>
               </a:fld>
               <a:endParaRPr lang="de-DE" dirty="0"/>
             </a:p>
@@ -40888,7 +40276,7 @@
               <a:fld id="{ABB89C0B-1ABD-444B-925C-4E47B2F277F6}" type="datetimeFigureOut">
                 <a:rPr lang="de-DE" smtClean="0"/>
                 <a:pPr/>
-                <a:t>10.01.2019</a:t>
+                <a:t>24.02.2019</a:t>
               </a:fld>
               <a:endParaRPr lang="de-DE" dirty="0"/>
             </a:p>
@@ -41531,7 +40919,7 @@
               <a:fld id="{ABB89C0B-1ABD-444B-925C-4E47B2F277F6}" type="datetimeFigureOut">
                 <a:rPr lang="de-DE" smtClean="0"/>
                 <a:pPr/>
-                <a:t>10.01.2019</a:t>
+                <a:t>24.02.2019</a:t>
               </a:fld>
               <a:endParaRPr lang="de-DE" dirty="0"/>
             </a:p>
@@ -42104,7 +41492,7 @@
               <a:fld id="{ABB89C0B-1ABD-444B-925C-4E47B2F277F6}" type="datetimeFigureOut">
                 <a:rPr lang="de-DE" smtClean="0"/>
                 <a:pPr/>
-                <a:t>10.01.2019</a:t>
+                <a:t>24.02.2019</a:t>
               </a:fld>
               <a:endParaRPr lang="de-DE" dirty="0"/>
             </a:p>
